--- a/presentation.pptx
+++ b/presentation.pptx
@@ -5,10 +5,10 @@
     <p:sldMasterId id="2147483660" r:id="rId4"/>
   </p:sldMasterIdLst>
   <p:notesMasterIdLst>
-    <p:notesMasterId r:id="rId19"/>
+    <p:notesMasterId r:id="rId26"/>
   </p:notesMasterIdLst>
   <p:handoutMasterIdLst>
-    <p:handoutMasterId r:id="rId20"/>
+    <p:handoutMasterId r:id="rId27"/>
   </p:handoutMasterIdLst>
   <p:sldIdLst>
     <p:sldId id="257" r:id="rId5"/>
@@ -18,13 +18,20 @@
     <p:sldId id="266" r:id="rId9"/>
     <p:sldId id="267" r:id="rId10"/>
     <p:sldId id="268" r:id="rId11"/>
-    <p:sldId id="269" r:id="rId12"/>
-    <p:sldId id="270" r:id="rId13"/>
-    <p:sldId id="271" r:id="rId14"/>
-    <p:sldId id="272" r:id="rId15"/>
-    <p:sldId id="273" r:id="rId16"/>
-    <p:sldId id="274" r:id="rId17"/>
-    <p:sldId id="275" r:id="rId18"/>
+    <p:sldId id="270" r:id="rId12"/>
+    <p:sldId id="271" r:id="rId13"/>
+    <p:sldId id="272" r:id="rId14"/>
+    <p:sldId id="273" r:id="rId15"/>
+    <p:sldId id="274" r:id="rId16"/>
+    <p:sldId id="275" r:id="rId17"/>
+    <p:sldId id="269" r:id="rId18"/>
+    <p:sldId id="277" r:id="rId19"/>
+    <p:sldId id="278" r:id="rId20"/>
+    <p:sldId id="279" r:id="rId21"/>
+    <p:sldId id="282" r:id="rId22"/>
+    <p:sldId id="283" r:id="rId23"/>
+    <p:sldId id="284" r:id="rId24"/>
+    <p:sldId id="285" r:id="rId25"/>
   </p:sldIdLst>
   <p:sldSz cx="12188825" cy="6858000"/>
   <p:notesSz cx="6858000" cy="9144000"/>
@@ -13888,503 +13895,6 @@
         <p:cNvPr id="1" name="">
           <a:extLst>
             <a:ext uri="{FF2B5EF4-FFF2-40B4-BE49-F238E27FC236}">
-              <a16:creationId xmlns:a16="http://schemas.microsoft.com/office/drawing/2014/main" id="{C94DB2AF-F678-CCF0-F3E7-9D8E2E38C4A0}"/>
-            </a:ext>
-          </a:extLst>
-        </p:cNvPr>
-        <p:cNvGrpSpPr/>
-        <p:nvPr/>
-      </p:nvGrpSpPr>
-      <p:grpSpPr>
-        <a:xfrm>
-          <a:off x="0" y="0"/>
-          <a:ext cx="0" cy="0"/>
-          <a:chOff x="0" y="0"/>
-          <a:chExt cx="0" cy="0"/>
-        </a:xfrm>
-      </p:grpSpPr>
-      <p:sp>
-        <p:nvSpPr>
-          <p:cNvPr id="2" name="Title 1">
-            <a:extLst>
-              <a:ext uri="{FF2B5EF4-FFF2-40B4-BE49-F238E27FC236}">
-                <a16:creationId xmlns:a16="http://schemas.microsoft.com/office/drawing/2014/main" id="{F56D2863-0533-E095-475E-CC9B391EB2A3}"/>
-              </a:ext>
-            </a:extLst>
-          </p:cNvPr>
-          <p:cNvSpPr>
-            <a:spLocks noGrp="1"/>
-          </p:cNvSpPr>
-          <p:nvPr>
-            <p:ph type="title"/>
-          </p:nvPr>
-        </p:nvSpPr>
-        <p:spPr>
-          <a:xfrm>
-            <a:off x="1293812" y="634181"/>
-            <a:ext cx="8611470" cy="1447800"/>
-          </a:xfrm>
-        </p:spPr>
-        <p:txBody>
-          <a:bodyPr/>
-          <a:lstStyle/>
-          <a:p>
-            <a:r>
-              <a:rPr lang="en-IN" dirty="0">
-                <a:solidFill>
-                  <a:schemeClr val="bg2">
-                    <a:lumMod val="25000"/>
-                  </a:schemeClr>
-                </a:solidFill>
-                <a:latin typeface="Cascadia Code" panose="020B0609020000020004" pitchFamily="49" charset="0"/>
-                <a:cs typeface="Cascadia Code" panose="020B0609020000020004" pitchFamily="49" charset="0"/>
-              </a:rPr>
-              <a:t>Basic Feature Extraction</a:t>
-            </a:r>
-          </a:p>
-        </p:txBody>
-      </p:sp>
-      <p:sp>
-        <p:nvSpPr>
-          <p:cNvPr id="3" name="Slide Number Placeholder 2">
-            <a:extLst>
-              <a:ext uri="{FF2B5EF4-FFF2-40B4-BE49-F238E27FC236}">
-                <a16:creationId xmlns:a16="http://schemas.microsoft.com/office/drawing/2014/main" id="{D7C5F64F-10CD-5B3E-ED8A-CD296226190F}"/>
-              </a:ext>
-            </a:extLst>
-          </p:cNvPr>
-          <p:cNvSpPr>
-            <a:spLocks noGrp="1"/>
-          </p:cNvSpPr>
-          <p:nvPr>
-            <p:ph type="sldNum" sz="quarter" idx="12"/>
-          </p:nvPr>
-        </p:nvSpPr>
-        <p:spPr/>
-        <p:txBody>
-          <a:bodyPr/>
-          <a:lstStyle/>
-          <a:p>
-            <a:r>
-              <a:rPr lang="en-US" dirty="0">
-                <a:solidFill>
-                  <a:schemeClr val="bg2">
-                    <a:lumMod val="25000"/>
-                  </a:schemeClr>
-                </a:solidFill>
-                <a:latin typeface="Cascadia Code" panose="020B0609020000020004" pitchFamily="49" charset="0"/>
-                <a:cs typeface="Cascadia Code" panose="020B0609020000020004" pitchFamily="49" charset="0"/>
-              </a:rPr>
-              <a:t>4</a:t>
-            </a:r>
-          </a:p>
-        </p:txBody>
-      </p:sp>
-      <p:sp>
-        <p:nvSpPr>
-          <p:cNvPr id="4" name="Content Placeholder 3">
-            <a:extLst>
-              <a:ext uri="{FF2B5EF4-FFF2-40B4-BE49-F238E27FC236}">
-                <a16:creationId xmlns:a16="http://schemas.microsoft.com/office/drawing/2014/main" id="{1EAC45E5-54DE-4CB6-6D57-6BB35A73F17F}"/>
-              </a:ext>
-            </a:extLst>
-          </p:cNvPr>
-          <p:cNvSpPr>
-            <a:spLocks noGrp="1"/>
-          </p:cNvSpPr>
-          <p:nvPr>
-            <p:ph idx="1"/>
-          </p:nvPr>
-        </p:nvSpPr>
-        <p:spPr>
-          <a:xfrm>
-            <a:off x="1293812" y="1358081"/>
-            <a:ext cx="10209930" cy="4724400"/>
-          </a:xfrm>
-        </p:spPr>
-        <p:txBody>
-          <a:bodyPr>
-            <a:noAutofit/>
-          </a:bodyPr>
-          <a:lstStyle/>
-          <a:p>
-            <a:r>
-              <a:rPr lang="en-US" sz="1600" b="1" dirty="0">
-                <a:solidFill>
-                  <a:schemeClr val="bg2">
-                    <a:lumMod val="25000"/>
-                  </a:schemeClr>
-                </a:solidFill>
-                <a:latin typeface="Cascadia Code" panose="020B0609020000020004" pitchFamily="49" charset="0"/>
-                <a:cs typeface="Cascadia Code" panose="020B0609020000020004" pitchFamily="49" charset="0"/>
-              </a:rPr>
-              <a:t>Goal:</a:t>
-            </a:r>
-            <a:r>
-              <a:rPr lang="en-US" sz="1600" dirty="0">
-                <a:solidFill>
-                  <a:schemeClr val="bg2">
-                    <a:lumMod val="25000"/>
-                  </a:schemeClr>
-                </a:solidFill>
-                <a:latin typeface="Cascadia Code" panose="020B0609020000020004" pitchFamily="49" charset="0"/>
-                <a:cs typeface="Cascadia Code" panose="020B0609020000020004" pitchFamily="49" charset="0"/>
-              </a:rPr>
-              <a:t> Extract grayscale-based features from local regions for skin detection, since color information is unavailable in this task .</a:t>
-            </a:r>
-          </a:p>
-          <a:p>
-            <a:r>
-              <a:rPr lang="en-US" sz="1600" b="1" dirty="0" err="1">
-                <a:solidFill>
-                  <a:schemeClr val="bg2">
-                    <a:lumMod val="25000"/>
-                  </a:schemeClr>
-                </a:solidFill>
-                <a:latin typeface="Cascadia Code" panose="020B0609020000020004" pitchFamily="49" charset="0"/>
-                <a:cs typeface="Cascadia Code" panose="020B0609020000020004" pitchFamily="49" charset="0"/>
-              </a:rPr>
-              <a:t>Superpixels</a:t>
-            </a:r>
-            <a:r>
-              <a:rPr lang="en-US" sz="1600" b="1" dirty="0">
-                <a:solidFill>
-                  <a:schemeClr val="bg2">
-                    <a:lumMod val="25000"/>
-                  </a:schemeClr>
-                </a:solidFill>
-                <a:latin typeface="Cascadia Code" panose="020B0609020000020004" pitchFamily="49" charset="0"/>
-                <a:cs typeface="Cascadia Code" panose="020B0609020000020004" pitchFamily="49" charset="0"/>
-              </a:rPr>
-              <a:t>:</a:t>
-            </a:r>
-            <a:r>
-              <a:rPr lang="en-US" sz="1600" dirty="0">
-                <a:solidFill>
-                  <a:schemeClr val="bg2">
-                    <a:lumMod val="25000"/>
-                  </a:schemeClr>
-                </a:solidFill>
-                <a:latin typeface="Cascadia Code" panose="020B0609020000020004" pitchFamily="49" charset="0"/>
-                <a:cs typeface="Cascadia Code" panose="020B0609020000020004" pitchFamily="49" charset="0"/>
-              </a:rPr>
-              <a:t> Clusters with uniform local properties; We used SLIC (Simple Linear Iterative Clustering) to extract these.</a:t>
-            </a:r>
-            <a:br>
-              <a:rPr lang="en-US" sz="1600" dirty="0">
-                <a:solidFill>
-                  <a:schemeClr val="bg2">
-                    <a:lumMod val="25000"/>
-                  </a:schemeClr>
-                </a:solidFill>
-                <a:latin typeface="Cascadia Code" panose="020B0609020000020004" pitchFamily="49" charset="0"/>
-                <a:cs typeface="Cascadia Code" panose="020B0609020000020004" pitchFamily="49" charset="0"/>
-              </a:rPr>
-            </a:br>
-            <a:r>
-              <a:rPr lang="en-US" sz="1600" dirty="0">
-                <a:solidFill>
-                  <a:schemeClr val="bg2">
-                    <a:lumMod val="25000"/>
-                  </a:schemeClr>
-                </a:solidFill>
-                <a:latin typeface="Cascadia Code" panose="020B0609020000020004" pitchFamily="49" charset="0"/>
-                <a:cs typeface="Cascadia Code" panose="020B0609020000020004" pitchFamily="49" charset="0"/>
-              </a:rPr>
-              <a:t>    		• Assumption: Skin </a:t>
-            </a:r>
-            <a:r>
-              <a:rPr lang="en-US" sz="1600" dirty="0" err="1">
-                <a:solidFill>
-                  <a:schemeClr val="bg2">
-                    <a:lumMod val="25000"/>
-                  </a:schemeClr>
-                </a:solidFill>
-                <a:latin typeface="Cascadia Code" panose="020B0609020000020004" pitchFamily="49" charset="0"/>
-                <a:cs typeface="Cascadia Code" panose="020B0609020000020004" pitchFamily="49" charset="0"/>
-              </a:rPr>
-              <a:t>superpixels</a:t>
-            </a:r>
-            <a:r>
-              <a:rPr lang="en-US" sz="1600" dirty="0">
-                <a:solidFill>
-                  <a:schemeClr val="bg2">
-                    <a:lumMod val="25000"/>
-                  </a:schemeClr>
-                </a:solidFill>
-                <a:latin typeface="Cascadia Code" panose="020B0609020000020004" pitchFamily="49" charset="0"/>
-                <a:cs typeface="Cascadia Code" panose="020B0609020000020004" pitchFamily="49" charset="0"/>
-              </a:rPr>
-              <a:t> have similar grayscale properties.</a:t>
-            </a:r>
-          </a:p>
-          <a:p>
-            <a:r>
-              <a:rPr lang="en-US" sz="1600" b="1" dirty="0">
-                <a:solidFill>
-                  <a:schemeClr val="bg2">
-                    <a:lumMod val="25000"/>
-                  </a:schemeClr>
-                </a:solidFill>
-                <a:latin typeface="Cascadia Code" panose="020B0609020000020004" pitchFamily="49" charset="0"/>
-                <a:cs typeface="Cascadia Code" panose="020B0609020000020004" pitchFamily="49" charset="0"/>
-              </a:rPr>
-              <a:t>Extracted Features (Basic): </a:t>
-            </a:r>
-            <a:r>
-              <a:rPr lang="en-US" sz="1600" dirty="0">
-                <a:solidFill>
-                  <a:schemeClr val="bg2">
-                    <a:lumMod val="25000"/>
-                  </a:schemeClr>
-                </a:solidFill>
-                <a:latin typeface="Cascadia Code" panose="020B0609020000020004" pitchFamily="49" charset="0"/>
-                <a:cs typeface="Cascadia Code" panose="020B0609020000020004" pitchFamily="49" charset="0"/>
-              </a:rPr>
-              <a:t>- Mean pixel intensity</a:t>
-            </a:r>
-          </a:p>
-          <a:p>
-            <a:r>
-              <a:rPr lang="en-US" sz="1600" dirty="0">
-                <a:solidFill>
-                  <a:schemeClr val="bg2">
-                    <a:lumMod val="25000"/>
-                  </a:schemeClr>
-                </a:solidFill>
-                <a:latin typeface="Cascadia Code" panose="020B0609020000020004" pitchFamily="49" charset="0"/>
-                <a:cs typeface="Cascadia Code" panose="020B0609020000020004" pitchFamily="49" charset="0"/>
-              </a:rPr>
-              <a:t>                            - Mean local neighborhood SD</a:t>
-            </a:r>
-          </a:p>
-          <a:p>
-            <a:r>
-              <a:rPr lang="en-US" sz="1600" dirty="0">
-                <a:solidFill>
-                  <a:schemeClr val="bg2">
-                    <a:lumMod val="25000"/>
-                  </a:schemeClr>
-                </a:solidFill>
-                <a:latin typeface="Cascadia Code" panose="020B0609020000020004" pitchFamily="49" charset="0"/>
-                <a:cs typeface="Cascadia Code" panose="020B0609020000020004" pitchFamily="49" charset="0"/>
-              </a:rPr>
-              <a:t>                            - Mean Local entropy</a:t>
-            </a:r>
-          </a:p>
-          <a:p>
-            <a:r>
-              <a:rPr kumimoji="0" lang="en-US" altLang="en-US" sz="1600" b="1" i="0" u="none" strike="noStrike" cap="none" normalizeH="0" baseline="0" dirty="0">
-                <a:ln>
-                  <a:noFill/>
-                </a:ln>
-                <a:solidFill>
-                  <a:schemeClr val="bg2">
-                    <a:lumMod val="25000"/>
-                  </a:schemeClr>
-                </a:solidFill>
-                <a:effectLst/>
-                <a:latin typeface="Cascadia Code" panose="020B0609020000020004" pitchFamily="49" charset="0"/>
-                <a:cs typeface="Cascadia Code" panose="020B0609020000020004" pitchFamily="49" charset="0"/>
-              </a:rPr>
-              <a:t>Computation: </a:t>
-            </a:r>
-            <a:r>
-              <a:rPr kumimoji="0" lang="en-US" altLang="en-US" sz="1600" i="0" u="none" strike="noStrike" cap="none" normalizeH="0" baseline="0" dirty="0">
-                <a:ln>
-                  <a:noFill/>
-                </a:ln>
-                <a:solidFill>
-                  <a:schemeClr val="bg2">
-                    <a:lumMod val="25000"/>
-                  </a:schemeClr>
-                </a:solidFill>
-                <a:effectLst/>
-                <a:latin typeface="Cascadia Code" panose="020B0609020000020004" pitchFamily="49" charset="0"/>
-                <a:cs typeface="Cascadia Code" panose="020B0609020000020004" pitchFamily="49" charset="0"/>
-              </a:rPr>
-              <a:t>Sliding general kernels for local/neighborhood features, later aggregated</a:t>
-            </a:r>
-            <a:br>
-              <a:rPr kumimoji="0" lang="en-US" altLang="en-US" sz="1600" b="0" i="0" u="none" strike="noStrike" cap="none" normalizeH="0" baseline="0" dirty="0">
-                <a:ln>
-                  <a:noFill/>
-                </a:ln>
-                <a:solidFill>
-                  <a:schemeClr val="bg2">
-                    <a:lumMod val="25000"/>
-                  </a:schemeClr>
-                </a:solidFill>
-                <a:effectLst/>
-                <a:latin typeface="Cascadia Code" panose="020B0609020000020004" pitchFamily="49" charset="0"/>
-                <a:cs typeface="Cascadia Code" panose="020B0609020000020004" pitchFamily="49" charset="0"/>
-              </a:rPr>
-            </a:br>
-            <a:endParaRPr kumimoji="0" lang="en-US" altLang="en-US" sz="1600" b="0" i="0" u="none" strike="noStrike" cap="none" normalizeH="0" baseline="0" dirty="0">
-              <a:ln>
-                <a:noFill/>
-              </a:ln>
-              <a:solidFill>
-                <a:schemeClr val="bg2">
-                  <a:lumMod val="25000"/>
-                </a:schemeClr>
-              </a:solidFill>
-              <a:effectLst/>
-              <a:latin typeface="Cascadia Code" panose="020B0609020000020004" pitchFamily="49" charset="0"/>
-              <a:cs typeface="Cascadia Code" panose="020B0609020000020004" pitchFamily="49" charset="0"/>
-            </a:endParaRPr>
-          </a:p>
-          <a:p>
-            <a:pPr marL="0" marR="0" lvl="0" indent="0" algn="l" defTabSz="914400" rtl="0" eaLnBrk="0" fontAlgn="base" latinLnBrk="0" hangingPunct="0">
-              <a:lnSpc>
-                <a:spcPct val="100000"/>
-              </a:lnSpc>
-              <a:spcBef>
-                <a:spcPct val="0"/>
-              </a:spcBef>
-              <a:spcAft>
-                <a:spcPct val="0"/>
-              </a:spcAft>
-              <a:buClrTx/>
-              <a:buSzTx/>
-              <a:tabLst/>
-            </a:pPr>
-            <a:r>
-              <a:rPr kumimoji="0" lang="en-US" altLang="en-US" sz="1600" b="1" i="0" u="none" strike="noStrike" cap="none" normalizeH="0" baseline="0" dirty="0">
-                <a:ln>
-                  <a:noFill/>
-                </a:ln>
-                <a:solidFill>
-                  <a:schemeClr val="bg2">
-                    <a:lumMod val="25000"/>
-                  </a:schemeClr>
-                </a:solidFill>
-                <a:effectLst/>
-                <a:latin typeface="Cascadia Code" panose="020B0609020000020004" pitchFamily="49" charset="0"/>
-                <a:cs typeface="Cascadia Code" panose="020B0609020000020004" pitchFamily="49" charset="0"/>
-              </a:rPr>
-              <a:t>		     STD(NNᵢ) = √[ (1 / r²) × </a:t>
-            </a:r>
-            <a:r>
-              <a:rPr kumimoji="0" lang="el-GR" altLang="en-US" sz="1600" b="1" i="0" u="none" strike="noStrike" cap="none" normalizeH="0" baseline="0" dirty="0">
-                <a:ln>
-                  <a:noFill/>
-                </a:ln>
-                <a:solidFill>
-                  <a:schemeClr val="bg2">
-                    <a:lumMod val="25000"/>
-                  </a:schemeClr>
-                </a:solidFill>
-                <a:effectLst/>
-                <a:latin typeface="Cascadia Code" panose="020B0609020000020004" pitchFamily="49" charset="0"/>
-                <a:cs typeface="Cascadia Code" panose="020B0609020000020004" pitchFamily="49" charset="0"/>
-              </a:rPr>
-              <a:t>Σ</a:t>
-            </a:r>
-            <a:r>
-              <a:rPr kumimoji="0" lang="en-US" altLang="en-US" sz="1600" b="1" i="0" u="none" strike="noStrike" cap="none" normalizeH="0" baseline="0" dirty="0">
-                <a:ln>
-                  <a:noFill/>
-                </a:ln>
-                <a:solidFill>
-                  <a:schemeClr val="bg2">
-                    <a:lumMod val="25000"/>
-                  </a:schemeClr>
-                </a:solidFill>
-                <a:effectLst/>
-                <a:latin typeface="Cascadia Code" panose="020B0609020000020004" pitchFamily="49" charset="0"/>
-                <a:cs typeface="Cascadia Code" panose="020B0609020000020004" pitchFamily="49" charset="0"/>
-              </a:rPr>
-              <a:t>ⱼ∈NN (xⱼ − x̄ᵢ)² ]</a:t>
-            </a:r>
-          </a:p>
-          <a:p>
-            <a:pPr marL="0" marR="0" lvl="0" indent="0" algn="l" defTabSz="914400" rtl="0" eaLnBrk="0" fontAlgn="base" latinLnBrk="0" hangingPunct="0">
-              <a:lnSpc>
-                <a:spcPct val="100000"/>
-              </a:lnSpc>
-              <a:spcBef>
-                <a:spcPct val="0"/>
-              </a:spcBef>
-              <a:spcAft>
-                <a:spcPct val="0"/>
-              </a:spcAft>
-              <a:buClrTx/>
-              <a:buSzTx/>
-              <a:tabLst/>
-            </a:pPr>
-            <a:r>
-              <a:rPr kumimoji="0" lang="en-US" altLang="en-US" sz="1600" b="1" i="0" u="none" strike="noStrike" cap="none" normalizeH="0" baseline="0" dirty="0">
-                <a:ln>
-                  <a:noFill/>
-                </a:ln>
-                <a:solidFill>
-                  <a:schemeClr val="bg2">
-                    <a:lumMod val="25000"/>
-                  </a:schemeClr>
-                </a:solidFill>
-                <a:effectLst/>
-                <a:latin typeface="Cascadia Code" panose="020B0609020000020004" pitchFamily="49" charset="0"/>
-                <a:cs typeface="Cascadia Code" panose="020B0609020000020004" pitchFamily="49" charset="0"/>
-              </a:rPr>
-              <a:t>		         ENT(NNᵢ) = − </a:t>
-            </a:r>
-            <a:r>
-              <a:rPr kumimoji="0" lang="el-GR" altLang="en-US" sz="1600" b="1" i="0" u="none" strike="noStrike" cap="none" normalizeH="0" baseline="0" dirty="0">
-                <a:ln>
-                  <a:noFill/>
-                </a:ln>
-                <a:solidFill>
-                  <a:schemeClr val="bg2">
-                    <a:lumMod val="25000"/>
-                  </a:schemeClr>
-                </a:solidFill>
-                <a:effectLst/>
-                <a:latin typeface="Cascadia Code" panose="020B0609020000020004" pitchFamily="49" charset="0"/>
-                <a:cs typeface="Cascadia Code" panose="020B0609020000020004" pitchFamily="49" charset="0"/>
-              </a:rPr>
-              <a:t>Σ</a:t>
-            </a:r>
-            <a:r>
-              <a:rPr kumimoji="0" lang="en-US" altLang="en-US" sz="1600" b="1" i="0" u="none" strike="noStrike" cap="none" normalizeH="0" baseline="0" dirty="0">
-                <a:ln>
-                  <a:noFill/>
-                </a:ln>
-                <a:solidFill>
-                  <a:schemeClr val="bg2">
-                    <a:lumMod val="25000"/>
-                  </a:schemeClr>
-                </a:solidFill>
-                <a:effectLst/>
-                <a:latin typeface="Cascadia Code" panose="020B0609020000020004" pitchFamily="49" charset="0"/>
-                <a:cs typeface="Cascadia Code" panose="020B0609020000020004" pitchFamily="49" charset="0"/>
-              </a:rPr>
-              <a:t>ⱼ P(xⱼ) × log(P(xⱼ))</a:t>
-            </a:r>
-          </a:p>
-        </p:txBody>
-      </p:sp>
-    </p:spTree>
-    <p:extLst>
-      <p:ext uri="{BB962C8B-B14F-4D97-AF65-F5344CB8AC3E}">
-        <p14:creationId xmlns:p14="http://schemas.microsoft.com/office/powerpoint/2010/main" val="1536416334"/>
-      </p:ext>
-    </p:extLst>
-  </p:cSld>
-  <p:clrMapOvr>
-    <a:masterClrMapping/>
-  </p:clrMapOvr>
-</p:sld>
-</file>
-
-<file path=ppt/slides/slide11.xml><?xml version="1.0" encoding="utf-8"?>
-<p:sld xmlns:a="http://schemas.openxmlformats.org/drawingml/2006/main" xmlns:r="http://schemas.openxmlformats.org/officeDocument/2006/relationships" xmlns:p="http://schemas.openxmlformats.org/presentationml/2006/main">
-  <p:cSld>
-    <p:spTree>
-      <p:nvGrpSpPr>
-        <p:cNvPr id="1" name="">
-          <a:extLst>
-            <a:ext uri="{FF2B5EF4-FFF2-40B4-BE49-F238E27FC236}">
               <a16:creationId xmlns:a16="http://schemas.microsoft.com/office/drawing/2014/main" id="{BF25F9C8-F5FD-F003-0D85-75AE591FA38B}"/>
             </a:ext>
           </a:extLst>
@@ -14956,7 +14466,7 @@
 </p:sld>
 </file>
 
-<file path=ppt/slides/slide12.xml><?xml version="1.0" encoding="utf-8"?>
+<file path=ppt/slides/slide11.xml><?xml version="1.0" encoding="utf-8"?>
 <p:sld xmlns:a="http://schemas.openxmlformats.org/drawingml/2006/main" xmlns:r="http://schemas.openxmlformats.org/officeDocument/2006/relationships" xmlns:p="http://schemas.openxmlformats.org/presentationml/2006/main">
   <p:cSld>
     <p:spTree>
@@ -15551,7 +15061,7 @@
 </p:sld>
 </file>
 
-<file path=ppt/slides/slide13.xml><?xml version="1.0" encoding="utf-8"?>
+<file path=ppt/slides/slide12.xml><?xml version="1.0" encoding="utf-8"?>
 <p:sld xmlns:a="http://schemas.openxmlformats.org/drawingml/2006/main" xmlns:r="http://schemas.openxmlformats.org/officeDocument/2006/relationships" xmlns:p="http://schemas.openxmlformats.org/presentationml/2006/main">
   <p:cSld>
     <p:spTree>
@@ -16355,7 +15865,7 @@
 </p:sld>
 </file>
 
-<file path=ppt/slides/slide14.xml><?xml version="1.0" encoding="utf-8"?>
+<file path=ppt/slides/slide13.xml><?xml version="1.0" encoding="utf-8"?>
 <p:sld xmlns:a="http://schemas.openxmlformats.org/drawingml/2006/main" xmlns:r="http://schemas.openxmlformats.org/officeDocument/2006/relationships" xmlns:p="http://schemas.openxmlformats.org/presentationml/2006/main">
   <p:cSld>
     <p:spTree>
@@ -16962,6 +16472,773 @@
     <p:extLst>
       <p:ext uri="{BB962C8B-B14F-4D97-AF65-F5344CB8AC3E}">
         <p14:creationId xmlns:p14="http://schemas.microsoft.com/office/powerpoint/2010/main" val="336474876"/>
+      </p:ext>
+    </p:extLst>
+  </p:cSld>
+  <p:clrMapOvr>
+    <a:masterClrMapping/>
+  </p:clrMapOvr>
+</p:sld>
+</file>
+
+<file path=ppt/slides/slide14.xml><?xml version="1.0" encoding="utf-8"?>
+<p:sld xmlns:a="http://schemas.openxmlformats.org/drawingml/2006/main" xmlns:r="http://schemas.openxmlformats.org/officeDocument/2006/relationships" xmlns:p="http://schemas.openxmlformats.org/presentationml/2006/main">
+  <p:cSld>
+    <p:spTree>
+      <p:nvGrpSpPr>
+        <p:cNvPr id="1" name=""/>
+        <p:cNvGrpSpPr/>
+        <p:nvPr/>
+      </p:nvGrpSpPr>
+      <p:grpSpPr>
+        <a:xfrm>
+          <a:off x="0" y="0"/>
+          <a:ext cx="0" cy="0"/>
+          <a:chOff x="0" y="0"/>
+          <a:chExt cx="0" cy="0"/>
+        </a:xfrm>
+      </p:grpSpPr>
+      <p:pic>
+        <p:nvPicPr>
+          <p:cNvPr id="5" name="Picture 4">
+            <a:extLst>
+              <a:ext uri="{FF2B5EF4-FFF2-40B4-BE49-F238E27FC236}">
+                <a16:creationId xmlns:a16="http://schemas.microsoft.com/office/drawing/2014/main" id="{3A062E03-C204-CB23-48C6-178AFE360C7F}"/>
+              </a:ext>
+            </a:extLst>
+          </p:cNvPr>
+          <p:cNvPicPr>
+            <a:picLocks noChangeAspect="1"/>
+          </p:cNvPicPr>
+          <p:nvPr/>
+        </p:nvPicPr>
+        <p:blipFill>
+          <a:blip r:embed="rId2">
+            <a:extLst>
+              <a:ext uri="{28A0092B-C50C-407E-A947-70E740481C1C}">
+                <a14:useLocalDpi xmlns:a14="http://schemas.microsoft.com/office/drawing/2010/main" val="0"/>
+              </a:ext>
+            </a:extLst>
+          </a:blip>
+          <a:stretch>
+            <a:fillRect/>
+          </a:stretch>
+        </p:blipFill>
+        <p:spPr>
+          <a:xfrm>
+            <a:off x="1006661" y="347731"/>
+            <a:ext cx="10175501" cy="6162538"/>
+          </a:xfrm>
+          <a:prstGeom prst="rect">
+            <a:avLst/>
+          </a:prstGeom>
+          <a:ln w="38100">
+            <a:solidFill>
+              <a:schemeClr val="accent1"/>
+            </a:solidFill>
+          </a:ln>
+        </p:spPr>
+      </p:pic>
+    </p:spTree>
+    <p:extLst>
+      <p:ext uri="{BB962C8B-B14F-4D97-AF65-F5344CB8AC3E}">
+        <p14:creationId xmlns:p14="http://schemas.microsoft.com/office/powerpoint/2010/main" val="227947202"/>
+      </p:ext>
+    </p:extLst>
+  </p:cSld>
+  <p:clrMapOvr>
+    <a:masterClrMapping/>
+  </p:clrMapOvr>
+</p:sld>
+</file>
+
+<file path=ppt/slides/slide15.xml><?xml version="1.0" encoding="utf-8"?>
+<p:sld xmlns:a="http://schemas.openxmlformats.org/drawingml/2006/main" xmlns:r="http://schemas.openxmlformats.org/officeDocument/2006/relationships" xmlns:p="http://schemas.openxmlformats.org/presentationml/2006/main">
+  <p:cSld>
+    <p:spTree>
+      <p:nvGrpSpPr>
+        <p:cNvPr id="1" name="">
+          <a:extLst>
+            <a:ext uri="{FF2B5EF4-FFF2-40B4-BE49-F238E27FC236}">
+              <a16:creationId xmlns:a16="http://schemas.microsoft.com/office/drawing/2014/main" id="{FFF33EA0-377F-3004-6BF1-A530DC4C885C}"/>
+            </a:ext>
+          </a:extLst>
+        </p:cNvPr>
+        <p:cNvGrpSpPr/>
+        <p:nvPr/>
+      </p:nvGrpSpPr>
+      <p:grpSpPr>
+        <a:xfrm>
+          <a:off x="0" y="0"/>
+          <a:ext cx="0" cy="0"/>
+          <a:chOff x="0" y="0"/>
+          <a:chExt cx="0" cy="0"/>
+        </a:xfrm>
+      </p:grpSpPr>
+      <p:pic>
+        <p:nvPicPr>
+          <p:cNvPr id="3" name="Picture 2">
+            <a:extLst>
+              <a:ext uri="{FF2B5EF4-FFF2-40B4-BE49-F238E27FC236}">
+                <a16:creationId xmlns:a16="http://schemas.microsoft.com/office/drawing/2014/main" id="{1E63DC8D-F659-AFC0-76B8-07D17E591777}"/>
+              </a:ext>
+            </a:extLst>
+          </p:cNvPr>
+          <p:cNvPicPr>
+            <a:picLocks noChangeAspect="1"/>
+          </p:cNvPicPr>
+          <p:nvPr/>
+        </p:nvPicPr>
+        <p:blipFill>
+          <a:blip r:embed="rId2">
+            <a:extLst>
+              <a:ext uri="{28A0092B-C50C-407E-A947-70E740481C1C}">
+                <a14:useLocalDpi xmlns:a14="http://schemas.microsoft.com/office/drawing/2010/main" val="0"/>
+              </a:ext>
+            </a:extLst>
+          </a:blip>
+          <a:stretch>
+            <a:fillRect/>
+          </a:stretch>
+        </p:blipFill>
+        <p:spPr>
+          <a:xfrm>
+            <a:off x="466358" y="1188331"/>
+            <a:ext cx="11256108" cy="4481338"/>
+          </a:xfrm>
+          <a:prstGeom prst="rect">
+            <a:avLst/>
+          </a:prstGeom>
+          <a:ln w="38100">
+            <a:solidFill>
+              <a:schemeClr val="accent1"/>
+            </a:solidFill>
+          </a:ln>
+        </p:spPr>
+      </p:pic>
+    </p:spTree>
+    <p:extLst>
+      <p:ext uri="{BB962C8B-B14F-4D97-AF65-F5344CB8AC3E}">
+        <p14:creationId xmlns:p14="http://schemas.microsoft.com/office/powerpoint/2010/main" val="1518323057"/>
+      </p:ext>
+    </p:extLst>
+  </p:cSld>
+  <p:clrMapOvr>
+    <a:masterClrMapping/>
+  </p:clrMapOvr>
+</p:sld>
+</file>
+
+<file path=ppt/slides/slide16.xml><?xml version="1.0" encoding="utf-8"?>
+<p:sld xmlns:a="http://schemas.openxmlformats.org/drawingml/2006/main" xmlns:r="http://schemas.openxmlformats.org/officeDocument/2006/relationships" xmlns:p="http://schemas.openxmlformats.org/presentationml/2006/main">
+  <p:cSld>
+    <p:spTree>
+      <p:nvGrpSpPr>
+        <p:cNvPr id="1" name="">
+          <a:extLst>
+            <a:ext uri="{FF2B5EF4-FFF2-40B4-BE49-F238E27FC236}">
+              <a16:creationId xmlns:a16="http://schemas.microsoft.com/office/drawing/2014/main" id="{63141826-321C-BB7A-615A-7746F4D1D0EC}"/>
+            </a:ext>
+          </a:extLst>
+        </p:cNvPr>
+        <p:cNvGrpSpPr/>
+        <p:nvPr/>
+      </p:nvGrpSpPr>
+      <p:grpSpPr>
+        <a:xfrm>
+          <a:off x="0" y="0"/>
+          <a:ext cx="0" cy="0"/>
+          <a:chOff x="0" y="0"/>
+          <a:chExt cx="0" cy="0"/>
+        </a:xfrm>
+      </p:grpSpPr>
+      <p:sp>
+        <p:nvSpPr>
+          <p:cNvPr id="2" name="Title 1">
+            <a:extLst>
+              <a:ext uri="{FF2B5EF4-FFF2-40B4-BE49-F238E27FC236}">
+                <a16:creationId xmlns:a16="http://schemas.microsoft.com/office/drawing/2014/main" id="{6AAC9CD1-DC2E-D774-EE5B-071E0F83CD2B}"/>
+              </a:ext>
+            </a:extLst>
+          </p:cNvPr>
+          <p:cNvSpPr>
+            <a:spLocks noGrp="1"/>
+          </p:cNvSpPr>
+          <p:nvPr>
+            <p:ph type="title"/>
+          </p:nvPr>
+        </p:nvSpPr>
+        <p:spPr>
+          <a:xfrm>
+            <a:off x="1293812" y="634181"/>
+            <a:ext cx="8611470" cy="1447800"/>
+          </a:xfrm>
+        </p:spPr>
+        <p:txBody>
+          <a:bodyPr/>
+          <a:lstStyle/>
+          <a:p>
+            <a:r>
+              <a:rPr lang="en-IN" dirty="0">
+                <a:solidFill>
+                  <a:schemeClr val="bg2">
+                    <a:lumMod val="25000"/>
+                  </a:schemeClr>
+                </a:solidFill>
+                <a:latin typeface="Cascadia Code" panose="020B0609020000020004" pitchFamily="49" charset="0"/>
+                <a:cs typeface="Cascadia Code" panose="020B0609020000020004" pitchFamily="49" charset="0"/>
+              </a:rPr>
+              <a:t>Limitations</a:t>
+            </a:r>
+          </a:p>
+        </p:txBody>
+      </p:sp>
+      <p:sp>
+        <p:nvSpPr>
+          <p:cNvPr id="3" name="Slide Number Placeholder 2">
+            <a:extLst>
+              <a:ext uri="{FF2B5EF4-FFF2-40B4-BE49-F238E27FC236}">
+                <a16:creationId xmlns:a16="http://schemas.microsoft.com/office/drawing/2014/main" id="{8B79DBC8-593F-834E-32F4-6D13DF4CA3BE}"/>
+              </a:ext>
+            </a:extLst>
+          </p:cNvPr>
+          <p:cNvSpPr>
+            <a:spLocks noGrp="1"/>
+          </p:cNvSpPr>
+          <p:nvPr>
+            <p:ph type="sldNum" sz="quarter" idx="12"/>
+          </p:nvPr>
+        </p:nvSpPr>
+        <p:spPr/>
+        <p:txBody>
+          <a:bodyPr/>
+          <a:lstStyle/>
+          <a:p>
+            <a:r>
+              <a:rPr lang="en-US" dirty="0">
+                <a:solidFill>
+                  <a:schemeClr val="bg2">
+                    <a:lumMod val="25000"/>
+                  </a:schemeClr>
+                </a:solidFill>
+                <a:latin typeface="Cascadia Code" panose="020B0609020000020004" pitchFamily="49" charset="0"/>
+                <a:cs typeface="Cascadia Code" panose="020B0609020000020004" pitchFamily="49" charset="0"/>
+              </a:rPr>
+              <a:t>7</a:t>
+            </a:r>
+          </a:p>
+        </p:txBody>
+      </p:sp>
+      <p:sp>
+        <p:nvSpPr>
+          <p:cNvPr id="4" name="Content Placeholder 3">
+            <a:extLst>
+              <a:ext uri="{FF2B5EF4-FFF2-40B4-BE49-F238E27FC236}">
+                <a16:creationId xmlns:a16="http://schemas.microsoft.com/office/drawing/2014/main" id="{92A3B114-4916-7608-BC45-53ED825E89E2}"/>
+              </a:ext>
+            </a:extLst>
+          </p:cNvPr>
+          <p:cNvSpPr>
+            <a:spLocks noGrp="1"/>
+          </p:cNvSpPr>
+          <p:nvPr>
+            <p:ph idx="1"/>
+          </p:nvPr>
+        </p:nvSpPr>
+        <p:spPr>
+          <a:xfrm>
+            <a:off x="1293812" y="1358081"/>
+            <a:ext cx="10209930" cy="4724400"/>
+          </a:xfrm>
+        </p:spPr>
+        <p:txBody>
+          <a:bodyPr>
+            <a:noAutofit/>
+          </a:bodyPr>
+          <a:lstStyle/>
+          <a:p>
+            <a:pPr>
+              <a:buNone/>
+            </a:pPr>
+            <a:r>
+              <a:rPr lang="en-US" sz="1600" b="1" dirty="0">
+                <a:solidFill>
+                  <a:schemeClr val="bg2">
+                    <a:lumMod val="25000"/>
+                  </a:schemeClr>
+                </a:solidFill>
+                <a:latin typeface="Cascadia Code" panose="020B0609020000020004" pitchFamily="49" charset="0"/>
+                <a:cs typeface="Cascadia Code" panose="020B0609020000020004" pitchFamily="49" charset="0"/>
+              </a:rPr>
+              <a:t>General Observations Regarding Results</a:t>
+            </a:r>
+            <a:endParaRPr lang="en-US" sz="1600" dirty="0">
+              <a:solidFill>
+                <a:schemeClr val="bg2">
+                  <a:lumMod val="25000"/>
+                </a:schemeClr>
+              </a:solidFill>
+              <a:latin typeface="Cascadia Code" panose="020B0609020000020004" pitchFamily="49" charset="0"/>
+              <a:cs typeface="Cascadia Code" panose="020B0609020000020004" pitchFamily="49" charset="0"/>
+            </a:endParaRPr>
+          </a:p>
+          <a:p>
+            <a:pPr marL="331470" indent="-285750">
+              <a:buFontTx/>
+              <a:buChar char="-"/>
+            </a:pPr>
+            <a:r>
+              <a:rPr lang="en-US" sz="1600" dirty="0">
+                <a:solidFill>
+                  <a:schemeClr val="bg2">
+                    <a:lumMod val="25000"/>
+                  </a:schemeClr>
+                </a:solidFill>
+                <a:latin typeface="Cascadia Code" panose="020B0609020000020004" pitchFamily="49" charset="0"/>
+                <a:cs typeface="Cascadia Code" panose="020B0609020000020004" pitchFamily="49" charset="0"/>
+              </a:rPr>
+              <a:t>The algorithm demonstrates satisfactory performance in images where skin regions exhibit consistent pixel characteristics.</a:t>
+            </a:r>
+          </a:p>
+          <a:p>
+            <a:pPr marL="331470" indent="-285750">
+              <a:buFontTx/>
+              <a:buChar char="-"/>
+            </a:pPr>
+            <a:r>
+              <a:rPr lang="en-US" sz="1600" dirty="0">
+                <a:solidFill>
+                  <a:schemeClr val="bg2">
+                    <a:lumMod val="25000"/>
+                  </a:schemeClr>
+                </a:solidFill>
+                <a:latin typeface="Cascadia Code" panose="020B0609020000020004" pitchFamily="49" charset="0"/>
+                <a:cs typeface="Cascadia Code" panose="020B0609020000020004" pitchFamily="49" charset="0"/>
+              </a:rPr>
+              <a:t>Favorable results are observed in images with minimal variation in lighting, contrast, and perspective. It seems to do well with people of different races and genders, and seems to capture seeds and significant sections of non-facial skin as well.</a:t>
+            </a:r>
+          </a:p>
+          <a:p>
+            <a:r>
+              <a:rPr lang="en-US" sz="1600" b="1" dirty="0">
+                <a:solidFill>
+                  <a:schemeClr val="bg2">
+                    <a:lumMod val="25000"/>
+                  </a:schemeClr>
+                </a:solidFill>
+                <a:latin typeface="Cascadia Code" panose="020B0609020000020004" pitchFamily="49" charset="0"/>
+                <a:cs typeface="Cascadia Code" panose="020B0609020000020004" pitchFamily="49" charset="0"/>
+              </a:rPr>
+              <a:t>Scope for Improvement: </a:t>
+            </a:r>
+          </a:p>
+          <a:p>
+            <a:pPr marL="331470" indent="-285750">
+              <a:buFontTx/>
+              <a:buChar char="-"/>
+            </a:pPr>
+            <a:r>
+              <a:rPr lang="en-US" sz="1600" dirty="0">
+                <a:solidFill>
+                  <a:schemeClr val="bg2">
+                    <a:lumMod val="25000"/>
+                  </a:schemeClr>
+                </a:solidFill>
+                <a:latin typeface="Cascadia Code" panose="020B0609020000020004" pitchFamily="49" charset="0"/>
+                <a:cs typeface="Cascadia Code" panose="020B0609020000020004" pitchFamily="49" charset="0"/>
+              </a:rPr>
+              <a:t>We could not compare results with ground truth because the dataset used in the original paper is not public, and similar datasets are hard to find.</a:t>
+            </a:r>
+          </a:p>
+          <a:p>
+            <a:pPr marL="331470" indent="-285750">
+              <a:buFontTx/>
+              <a:buChar char="-"/>
+            </a:pPr>
+            <a:r>
+              <a:rPr lang="en-US" sz="1600" dirty="0">
+                <a:solidFill>
+                  <a:schemeClr val="bg2">
+                    <a:lumMod val="25000"/>
+                  </a:schemeClr>
+                </a:solidFill>
+                <a:latin typeface="Cascadia Code" panose="020B0609020000020004" pitchFamily="49" charset="0"/>
+                <a:cs typeface="Cascadia Code" panose="020B0609020000020004" pitchFamily="49" charset="0"/>
+              </a:rPr>
+              <a:t>The algorithm needs manual tuning for different skin tones and lighting. A better method could be to adjust parameters automatically based on the brightness and noise in the whole image.</a:t>
+            </a:r>
+          </a:p>
+        </p:txBody>
+      </p:sp>
+    </p:spTree>
+    <p:extLst>
+      <p:ext uri="{BB962C8B-B14F-4D97-AF65-F5344CB8AC3E}">
+        <p14:creationId xmlns:p14="http://schemas.microsoft.com/office/powerpoint/2010/main" val="1383349277"/>
+      </p:ext>
+    </p:extLst>
+  </p:cSld>
+  <p:clrMapOvr>
+    <a:masterClrMapping/>
+  </p:clrMapOvr>
+</p:sld>
+</file>
+
+<file path=ppt/slides/slide17.xml><?xml version="1.0" encoding="utf-8"?>
+<p:sld xmlns:a="http://schemas.openxmlformats.org/drawingml/2006/main" xmlns:r="http://schemas.openxmlformats.org/officeDocument/2006/relationships" xmlns:p="http://schemas.openxmlformats.org/presentationml/2006/main">
+  <p:cSld>
+    <p:spTree>
+      <p:nvGrpSpPr>
+        <p:cNvPr id="1" name="">
+          <a:extLst>
+            <a:ext uri="{FF2B5EF4-FFF2-40B4-BE49-F238E27FC236}">
+              <a16:creationId xmlns:a16="http://schemas.microsoft.com/office/drawing/2014/main" id="{B1C28EBC-81DD-0C2D-53E4-F7A129B4C450}"/>
+            </a:ext>
+          </a:extLst>
+        </p:cNvPr>
+        <p:cNvGrpSpPr/>
+        <p:nvPr/>
+      </p:nvGrpSpPr>
+      <p:grpSpPr>
+        <a:xfrm>
+          <a:off x="0" y="0"/>
+          <a:ext cx="0" cy="0"/>
+          <a:chOff x="0" y="0"/>
+          <a:chExt cx="0" cy="0"/>
+        </a:xfrm>
+      </p:grpSpPr>
+      <p:sp>
+        <p:nvSpPr>
+          <p:cNvPr id="3" name="Slide Number Placeholder 2">
+            <a:extLst>
+              <a:ext uri="{FF2B5EF4-FFF2-40B4-BE49-F238E27FC236}">
+                <a16:creationId xmlns:a16="http://schemas.microsoft.com/office/drawing/2014/main" id="{786219CD-C723-6571-F2F0-C9C9C145E8A1}"/>
+              </a:ext>
+            </a:extLst>
+          </p:cNvPr>
+          <p:cNvSpPr>
+            <a:spLocks noGrp="1"/>
+          </p:cNvSpPr>
+          <p:nvPr>
+            <p:ph type="sldNum" sz="quarter" idx="12"/>
+          </p:nvPr>
+        </p:nvSpPr>
+        <p:spPr/>
+        <p:txBody>
+          <a:bodyPr/>
+          <a:lstStyle/>
+          <a:p>
+            <a:r>
+              <a:rPr lang="en-US" dirty="0">
+                <a:solidFill>
+                  <a:schemeClr val="bg2">
+                    <a:lumMod val="25000"/>
+                  </a:schemeClr>
+                </a:solidFill>
+                <a:latin typeface="Cascadia Code" panose="020B0609020000020004" pitchFamily="49" charset="0"/>
+                <a:cs typeface="Cascadia Code" panose="020B0609020000020004" pitchFamily="49" charset="0"/>
+              </a:rPr>
+              <a:t>7</a:t>
+            </a:r>
+          </a:p>
+        </p:txBody>
+      </p:sp>
+      <p:sp>
+        <p:nvSpPr>
+          <p:cNvPr id="4" name="Content Placeholder 3">
+            <a:extLst>
+              <a:ext uri="{FF2B5EF4-FFF2-40B4-BE49-F238E27FC236}">
+                <a16:creationId xmlns:a16="http://schemas.microsoft.com/office/drawing/2014/main" id="{254FF682-90A0-D348-D79A-9DB4FC48838E}"/>
+              </a:ext>
+            </a:extLst>
+          </p:cNvPr>
+          <p:cNvSpPr>
+            <a:spLocks noGrp="1"/>
+          </p:cNvSpPr>
+          <p:nvPr>
+            <p:ph idx="1"/>
+          </p:nvPr>
+        </p:nvSpPr>
+        <p:spPr>
+          <a:xfrm>
+            <a:off x="1293812" y="800100"/>
+            <a:ext cx="10345738" cy="5257800"/>
+          </a:xfrm>
+        </p:spPr>
+        <p:txBody>
+          <a:bodyPr>
+            <a:normAutofit/>
+          </a:bodyPr>
+          <a:lstStyle/>
+          <a:p>
+            <a:pPr>
+              <a:buNone/>
+            </a:pPr>
+            <a:endParaRPr lang="en-US" sz="1600" dirty="0">
+              <a:solidFill>
+                <a:schemeClr val="bg2">
+                  <a:lumMod val="25000"/>
+                </a:schemeClr>
+              </a:solidFill>
+              <a:latin typeface="Cascadia Code" panose="020B0609020000020004" pitchFamily="49" charset="0"/>
+              <a:cs typeface="Cascadia Code" panose="020B0609020000020004" pitchFamily="49" charset="0"/>
+            </a:endParaRPr>
+          </a:p>
+          <a:p>
+            <a:pPr marL="331470" indent="-285750">
+              <a:buFontTx/>
+              <a:buChar char="-"/>
+            </a:pPr>
+            <a:r>
+              <a:rPr lang="en-US" sz="1600" dirty="0">
+                <a:solidFill>
+                  <a:schemeClr val="bg2">
+                    <a:lumMod val="25000"/>
+                  </a:schemeClr>
+                </a:solidFill>
+                <a:latin typeface="Cascadia Code" panose="020B0609020000020004" pitchFamily="49" charset="0"/>
+                <a:cs typeface="Cascadia Code" panose="020B0609020000020004" pitchFamily="49" charset="0"/>
+              </a:rPr>
+              <a:t>Using all features together does not always give the best results. Sometimes, a smaller set of features works better. We plan to use image characteristics to choose the best feature set for each case.</a:t>
+            </a:r>
+          </a:p>
+          <a:p>
+            <a:pPr marL="331470" indent="-285750">
+              <a:buFontTx/>
+              <a:buChar char="-"/>
+            </a:pPr>
+            <a:r>
+              <a:rPr lang="en-US" sz="1600" dirty="0">
+                <a:solidFill>
+                  <a:schemeClr val="bg2">
+                    <a:lumMod val="25000"/>
+                  </a:schemeClr>
+                </a:solidFill>
+                <a:latin typeface="Cascadia Code" panose="020B0609020000020004" pitchFamily="49" charset="0"/>
+                <a:cs typeface="Cascadia Code" panose="020B0609020000020004" pitchFamily="49" charset="0"/>
+              </a:rPr>
+              <a:t>In noisy or detailed images, fewer algorithm steps (iterations) give better results. This shows that our current features may not fully separate skin and non-skin areas. Adding more image features could help.</a:t>
+            </a:r>
+          </a:p>
+          <a:p>
+            <a:pPr marL="331470" indent="-285750">
+              <a:buFontTx/>
+              <a:buChar char="-"/>
+            </a:pPr>
+            <a:r>
+              <a:rPr lang="en-US" sz="1600" dirty="0">
+                <a:solidFill>
+                  <a:schemeClr val="bg2">
+                    <a:lumMod val="25000"/>
+                  </a:schemeClr>
+                </a:solidFill>
+                <a:latin typeface="Cascadia Code" panose="020B0609020000020004" pitchFamily="49" charset="0"/>
+                <a:cs typeface="Cascadia Code" panose="020B0609020000020004" pitchFamily="49" charset="0"/>
+              </a:rPr>
+              <a:t>Sometimes the algorithm grows regions too far. We need better rules to stop this from happening.</a:t>
+            </a:r>
+          </a:p>
+          <a:p>
+            <a:pPr marL="331470" indent="-285750">
+              <a:buFontTx/>
+              <a:buChar char="-"/>
+            </a:pPr>
+            <a:r>
+              <a:rPr lang="en-US" sz="1600" dirty="0">
+                <a:solidFill>
+                  <a:schemeClr val="bg2">
+                    <a:lumMod val="25000"/>
+                  </a:schemeClr>
+                </a:solidFill>
+                <a:latin typeface="Cascadia Code" panose="020B0609020000020004" pitchFamily="49" charset="0"/>
+                <a:cs typeface="Cascadia Code" panose="020B0609020000020004" pitchFamily="49" charset="0"/>
+              </a:rPr>
+              <a:t>Having labeled skin segmentation datasets would help us test the algorithm more accurately. We are planning to contact data owners to ask for permission to use their datasets.</a:t>
+            </a:r>
+          </a:p>
+          <a:p>
+            <a:r>
+              <a:rPr lang="en-US" sz="1600" dirty="0">
+                <a:solidFill>
+                  <a:schemeClr val="bg2">
+                    <a:lumMod val="25000"/>
+                  </a:schemeClr>
+                </a:solidFill>
+                <a:latin typeface="Cascadia Code" panose="020B0609020000020004" pitchFamily="49" charset="0"/>
+                <a:cs typeface="Cascadia Code" panose="020B0609020000020004" pitchFamily="49" charset="0"/>
+              </a:rPr>
+              <a:t>Examples of some final outputs are illustrated as follows:</a:t>
+            </a:r>
+          </a:p>
+          <a:p>
+            <a:endParaRPr lang="en-US" sz="1600" dirty="0">
+              <a:solidFill>
+                <a:schemeClr val="bg2">
+                  <a:lumMod val="25000"/>
+                </a:schemeClr>
+              </a:solidFill>
+              <a:latin typeface="Cascadia Code" panose="020B0609020000020004" pitchFamily="49" charset="0"/>
+              <a:cs typeface="Cascadia Code" panose="020B0609020000020004" pitchFamily="49" charset="0"/>
+            </a:endParaRPr>
+          </a:p>
+        </p:txBody>
+      </p:sp>
+    </p:spTree>
+    <p:extLst>
+      <p:ext uri="{BB962C8B-B14F-4D97-AF65-F5344CB8AC3E}">
+        <p14:creationId xmlns:p14="http://schemas.microsoft.com/office/powerpoint/2010/main" val="908566702"/>
+      </p:ext>
+    </p:extLst>
+  </p:cSld>
+  <p:clrMapOvr>
+    <a:masterClrMapping/>
+  </p:clrMapOvr>
+</p:sld>
+</file>
+
+<file path=ppt/slides/slide18.xml><?xml version="1.0" encoding="utf-8"?>
+<p:sld xmlns:a="http://schemas.openxmlformats.org/drawingml/2006/main" xmlns:r="http://schemas.openxmlformats.org/officeDocument/2006/relationships" xmlns:p="http://schemas.openxmlformats.org/presentationml/2006/main">
+  <p:cSld>
+    <p:spTree>
+      <p:nvGrpSpPr>
+        <p:cNvPr id="1" name="">
+          <a:extLst>
+            <a:ext uri="{FF2B5EF4-FFF2-40B4-BE49-F238E27FC236}">
+              <a16:creationId xmlns:a16="http://schemas.microsoft.com/office/drawing/2014/main" id="{31676BBA-B4D0-D167-437B-C0D30561C682}"/>
+            </a:ext>
+          </a:extLst>
+        </p:cNvPr>
+        <p:cNvGrpSpPr/>
+        <p:nvPr/>
+      </p:nvGrpSpPr>
+      <p:grpSpPr>
+        <a:xfrm>
+          <a:off x="0" y="0"/>
+          <a:ext cx="0" cy="0"/>
+          <a:chOff x="0" y="0"/>
+          <a:chExt cx="0" cy="0"/>
+        </a:xfrm>
+      </p:grpSpPr>
+      <p:pic>
+        <p:nvPicPr>
+          <p:cNvPr id="9" name="Picture 8">
+            <a:extLst>
+              <a:ext uri="{FF2B5EF4-FFF2-40B4-BE49-F238E27FC236}">
+                <a16:creationId xmlns:a16="http://schemas.microsoft.com/office/drawing/2014/main" id="{78BFAC6A-F73F-D43F-E669-BF021128150E}"/>
+              </a:ext>
+            </a:extLst>
+          </p:cNvPr>
+          <p:cNvPicPr>
+            <a:picLocks noChangeAspect="1"/>
+          </p:cNvPicPr>
+          <p:nvPr/>
+        </p:nvPicPr>
+        <p:blipFill>
+          <a:blip r:embed="rId2">
+            <a:extLst>
+              <a:ext uri="{28A0092B-C50C-407E-A947-70E740481C1C}">
+                <a14:useLocalDpi xmlns:a14="http://schemas.microsoft.com/office/drawing/2010/main" val="0"/>
+              </a:ext>
+            </a:extLst>
+          </a:blip>
+          <a:stretch>
+            <a:fillRect/>
+          </a:stretch>
+        </p:blipFill>
+        <p:spPr>
+          <a:xfrm>
+            <a:off x="1165200" y="419100"/>
+            <a:ext cx="9858424" cy="6019800"/>
+          </a:xfrm>
+          <a:prstGeom prst="rect">
+            <a:avLst/>
+          </a:prstGeom>
+          <a:ln w="38100">
+            <a:solidFill>
+              <a:schemeClr val="accent1"/>
+            </a:solidFill>
+          </a:ln>
+        </p:spPr>
+      </p:pic>
+    </p:spTree>
+    <p:extLst>
+      <p:ext uri="{BB962C8B-B14F-4D97-AF65-F5344CB8AC3E}">
+        <p14:creationId xmlns:p14="http://schemas.microsoft.com/office/powerpoint/2010/main" val="2655602210"/>
+      </p:ext>
+    </p:extLst>
+  </p:cSld>
+  <p:clrMapOvr>
+    <a:masterClrMapping/>
+  </p:clrMapOvr>
+</p:sld>
+</file>
+
+<file path=ppt/slides/slide19.xml><?xml version="1.0" encoding="utf-8"?>
+<p:sld xmlns:a="http://schemas.openxmlformats.org/drawingml/2006/main" xmlns:r="http://schemas.openxmlformats.org/officeDocument/2006/relationships" xmlns:p="http://schemas.openxmlformats.org/presentationml/2006/main">
+  <p:cSld>
+    <p:spTree>
+      <p:nvGrpSpPr>
+        <p:cNvPr id="1" name="">
+          <a:extLst>
+            <a:ext uri="{FF2B5EF4-FFF2-40B4-BE49-F238E27FC236}">
+              <a16:creationId xmlns:a16="http://schemas.microsoft.com/office/drawing/2014/main" id="{D82EB89A-5F8D-FB98-EBE6-A38A47A11360}"/>
+            </a:ext>
+          </a:extLst>
+        </p:cNvPr>
+        <p:cNvGrpSpPr/>
+        <p:nvPr/>
+      </p:nvGrpSpPr>
+      <p:grpSpPr>
+        <a:xfrm>
+          <a:off x="0" y="0"/>
+          <a:ext cx="0" cy="0"/>
+          <a:chOff x="0" y="0"/>
+          <a:chExt cx="0" cy="0"/>
+        </a:xfrm>
+      </p:grpSpPr>
+      <p:pic>
+        <p:nvPicPr>
+          <p:cNvPr id="9" name="Picture 8">
+            <a:extLst>
+              <a:ext uri="{FF2B5EF4-FFF2-40B4-BE49-F238E27FC236}">
+                <a16:creationId xmlns:a16="http://schemas.microsoft.com/office/drawing/2014/main" id="{AD67DA22-B58A-0CC8-92A6-83AFFA55271F}"/>
+              </a:ext>
+            </a:extLst>
+          </p:cNvPr>
+          <p:cNvPicPr>
+            <a:picLocks noChangeAspect="1"/>
+          </p:cNvPicPr>
+          <p:nvPr/>
+        </p:nvPicPr>
+        <p:blipFill>
+          <a:blip r:embed="rId2">
+            <a:extLst>
+              <a:ext uri="{28A0092B-C50C-407E-A947-70E740481C1C}">
+                <a14:useLocalDpi xmlns:a14="http://schemas.microsoft.com/office/drawing/2010/main" val="0"/>
+              </a:ext>
+            </a:extLst>
+          </a:blip>
+          <a:srcRect/>
+          <a:stretch/>
+        </p:blipFill>
+        <p:spPr>
+          <a:xfrm>
+            <a:off x="1165200" y="844244"/>
+            <a:ext cx="9858424" cy="5169511"/>
+          </a:xfrm>
+          <a:prstGeom prst="rect">
+            <a:avLst/>
+          </a:prstGeom>
+          <a:ln w="38100">
+            <a:solidFill>
+              <a:schemeClr val="accent1"/>
+            </a:solidFill>
+          </a:ln>
+        </p:spPr>
+      </p:pic>
+    </p:spTree>
+    <p:extLst>
+      <p:ext uri="{BB962C8B-B14F-4D97-AF65-F5344CB8AC3E}">
+        <p14:creationId xmlns:p14="http://schemas.microsoft.com/office/powerpoint/2010/main" val="2731127684"/>
       </p:ext>
     </p:extLst>
   </p:cSld>
@@ -17100,6 +17377,156 @@
 </p:sld>
 </file>
 
+<file path=ppt/slides/slide20.xml><?xml version="1.0" encoding="utf-8"?>
+<p:sld xmlns:a="http://schemas.openxmlformats.org/drawingml/2006/main" xmlns:r="http://schemas.openxmlformats.org/officeDocument/2006/relationships" xmlns:p="http://schemas.openxmlformats.org/presentationml/2006/main">
+  <p:cSld>
+    <p:spTree>
+      <p:nvGrpSpPr>
+        <p:cNvPr id="1" name="">
+          <a:extLst>
+            <a:ext uri="{FF2B5EF4-FFF2-40B4-BE49-F238E27FC236}">
+              <a16:creationId xmlns:a16="http://schemas.microsoft.com/office/drawing/2014/main" id="{6754625B-8021-FE66-EE88-8FFA7481D31B}"/>
+            </a:ext>
+          </a:extLst>
+        </p:cNvPr>
+        <p:cNvGrpSpPr/>
+        <p:nvPr/>
+      </p:nvGrpSpPr>
+      <p:grpSpPr>
+        <a:xfrm>
+          <a:off x="0" y="0"/>
+          <a:ext cx="0" cy="0"/>
+          <a:chOff x="0" y="0"/>
+          <a:chExt cx="0" cy="0"/>
+        </a:xfrm>
+      </p:grpSpPr>
+      <p:pic>
+        <p:nvPicPr>
+          <p:cNvPr id="9" name="Picture 8">
+            <a:extLst>
+              <a:ext uri="{FF2B5EF4-FFF2-40B4-BE49-F238E27FC236}">
+                <a16:creationId xmlns:a16="http://schemas.microsoft.com/office/drawing/2014/main" id="{3D88340B-8E9A-C9ED-CE0D-86D6DD53342F}"/>
+              </a:ext>
+            </a:extLst>
+          </p:cNvPr>
+          <p:cNvPicPr>
+            <a:picLocks noChangeAspect="1"/>
+          </p:cNvPicPr>
+          <p:nvPr/>
+        </p:nvPicPr>
+        <p:blipFill>
+          <a:blip r:embed="rId2">
+            <a:extLst>
+              <a:ext uri="{28A0092B-C50C-407E-A947-70E740481C1C}">
+                <a14:useLocalDpi xmlns:a14="http://schemas.microsoft.com/office/drawing/2010/main" val="0"/>
+              </a:ext>
+            </a:extLst>
+          </a:blip>
+          <a:srcRect/>
+          <a:stretch/>
+        </p:blipFill>
+        <p:spPr>
+          <a:xfrm>
+            <a:off x="1165201" y="862729"/>
+            <a:ext cx="9858422" cy="5132541"/>
+          </a:xfrm>
+          <a:prstGeom prst="rect">
+            <a:avLst/>
+          </a:prstGeom>
+          <a:ln w="38100">
+            <a:solidFill>
+              <a:schemeClr val="accent1"/>
+            </a:solidFill>
+          </a:ln>
+        </p:spPr>
+      </p:pic>
+    </p:spTree>
+    <p:extLst>
+      <p:ext uri="{BB962C8B-B14F-4D97-AF65-F5344CB8AC3E}">
+        <p14:creationId xmlns:p14="http://schemas.microsoft.com/office/powerpoint/2010/main" val="3663143095"/>
+      </p:ext>
+    </p:extLst>
+  </p:cSld>
+  <p:clrMapOvr>
+    <a:masterClrMapping/>
+  </p:clrMapOvr>
+</p:sld>
+</file>
+
+<file path=ppt/slides/slide21.xml><?xml version="1.0" encoding="utf-8"?>
+<p:sld xmlns:a="http://schemas.openxmlformats.org/drawingml/2006/main" xmlns:r="http://schemas.openxmlformats.org/officeDocument/2006/relationships" xmlns:p="http://schemas.openxmlformats.org/presentationml/2006/main">
+  <p:cSld>
+    <p:spTree>
+      <p:nvGrpSpPr>
+        <p:cNvPr id="1" name=""/>
+        <p:cNvGrpSpPr/>
+        <p:nvPr/>
+      </p:nvGrpSpPr>
+      <p:grpSpPr>
+        <a:xfrm>
+          <a:off x="0" y="0"/>
+          <a:ext cx="0" cy="0"/>
+          <a:chOff x="0" y="0"/>
+          <a:chExt cx="0" cy="0"/>
+        </a:xfrm>
+      </p:grpSpPr>
+      <p:sp>
+        <p:nvSpPr>
+          <p:cNvPr id="3" name="Text Placeholder 2">
+            <a:extLst>
+              <a:ext uri="{FF2B5EF4-FFF2-40B4-BE49-F238E27FC236}">
+                <a16:creationId xmlns:a16="http://schemas.microsoft.com/office/drawing/2014/main" id="{311DCA63-7B74-1FAB-2C80-0F052B5F1337}"/>
+              </a:ext>
+            </a:extLst>
+          </p:cNvPr>
+          <p:cNvSpPr>
+            <a:spLocks noGrp="1"/>
+          </p:cNvSpPr>
+          <p:nvPr>
+            <p:ph type="body" sz="quarter" idx="10"/>
+          </p:nvPr>
+        </p:nvSpPr>
+        <p:spPr>
+          <a:xfrm>
+            <a:off x="950912" y="3162300"/>
+            <a:ext cx="10287000" cy="533400"/>
+          </a:xfrm>
+        </p:spPr>
+        <p:txBody>
+          <a:bodyPr>
+            <a:normAutofit fontScale="85000" lnSpcReduction="20000"/>
+          </a:bodyPr>
+          <a:lstStyle/>
+          <a:p>
+            <a:pPr algn="ctr"/>
+            <a:r>
+              <a:rPr lang="en-IN" dirty="0">
+                <a:solidFill>
+                  <a:schemeClr val="bg2">
+                    <a:lumMod val="25000"/>
+                  </a:schemeClr>
+                </a:solidFill>
+                <a:latin typeface="Cascadia Code" panose="020B0609020000020004" pitchFamily="49" charset="0"/>
+                <a:cs typeface="Cascadia Code" panose="020B0609020000020004" pitchFamily="49" charset="0"/>
+              </a:rPr>
+              <a:t>Following are some outputs of images that display varying performance for different subsets of the feature set:</a:t>
+            </a:r>
+          </a:p>
+        </p:txBody>
+      </p:sp>
+    </p:spTree>
+    <p:extLst>
+      <p:ext uri="{BB962C8B-B14F-4D97-AF65-F5344CB8AC3E}">
+        <p14:creationId xmlns:p14="http://schemas.microsoft.com/office/powerpoint/2010/main" val="2783848546"/>
+      </p:ext>
+    </p:extLst>
+  </p:cSld>
+  <p:clrMapOvr>
+    <a:masterClrMapping/>
+  </p:clrMapOvr>
+</p:sld>
+</file>
+
 <file path=ppt/slides/slide3.xml><?xml version="1.0" encoding="utf-8"?>
 <p:sld xmlns:a="http://schemas.openxmlformats.org/drawingml/2006/main" xmlns:r="http://schemas.openxmlformats.org/officeDocument/2006/relationships" xmlns:p="http://schemas.openxmlformats.org/presentationml/2006/main">
   <p:cSld>
@@ -17249,8 +17676,8 @@
         </p:nvSpPr>
         <p:spPr>
           <a:xfrm>
-            <a:off x="6764594" y="582067"/>
-            <a:ext cx="4800598" cy="5693866"/>
+            <a:off x="6764594" y="458956"/>
+            <a:ext cx="4800598" cy="5940088"/>
           </a:xfrm>
           <a:prstGeom prst="rect">
             <a:avLst/>
@@ -17578,7 +18005,31 @@
                 <a:latin typeface="Cascadia Code" panose="020B0609020000020004" pitchFamily="49" charset="0"/>
                 <a:cs typeface="Cascadia Code" panose="020B0609020000020004" pitchFamily="49" charset="0"/>
               </a:rPr>
-              <a:t>PowerPoint Presentation</a:t>
+              <a:t>PowerPoint Presentation + </a:t>
+            </a:r>
+            <a:r>
+              <a:rPr lang="en-IN" sz="1600" dirty="0" err="1">
+                <a:solidFill>
+                  <a:schemeClr val="bg2">
+                    <a:lumMod val="25000"/>
+                  </a:schemeClr>
+                </a:solidFill>
+                <a:latin typeface="Cascadia Code" panose="020B0609020000020004" pitchFamily="49" charset="0"/>
+                <a:cs typeface="Cascadia Code" panose="020B0609020000020004" pitchFamily="49" charset="0"/>
+              </a:rPr>
+              <a:t>Streamlit</a:t>
+            </a:r>
+            <a:r>
+              <a:rPr lang="en-IN" sz="1600" dirty="0">
+                <a:solidFill>
+                  <a:schemeClr val="bg2">
+                    <a:lumMod val="25000"/>
+                  </a:schemeClr>
+                </a:solidFill>
+                <a:latin typeface="Cascadia Code" panose="020B0609020000020004" pitchFamily="49" charset="0"/>
+                <a:cs typeface="Cascadia Code" panose="020B0609020000020004" pitchFamily="49" charset="0"/>
+              </a:rPr>
+              <a:t> App</a:t>
             </a:r>
           </a:p>
         </p:txBody>
@@ -18565,36 +19016,6 @@
   <p:cSld>
     <p:spTree>
       <p:nvGrpSpPr>
-        <p:cNvPr id="1" name=""/>
-        <p:cNvGrpSpPr/>
-        <p:nvPr/>
-      </p:nvGrpSpPr>
-      <p:grpSpPr>
-        <a:xfrm>
-          <a:off x="0" y="0"/>
-          <a:ext cx="0" cy="0"/>
-          <a:chOff x="0" y="0"/>
-          <a:chExt cx="0" cy="0"/>
-        </a:xfrm>
-      </p:grpSpPr>
-    </p:spTree>
-    <p:extLst>
-      <p:ext uri="{BB962C8B-B14F-4D97-AF65-F5344CB8AC3E}">
-        <p14:creationId xmlns:p14="http://schemas.microsoft.com/office/powerpoint/2010/main" val="227947202"/>
-      </p:ext>
-    </p:extLst>
-  </p:cSld>
-  <p:clrMapOvr>
-    <a:masterClrMapping/>
-  </p:clrMapOvr>
-</p:sld>
-</file>
-
-<file path=ppt/slides/slide9.xml><?xml version="1.0" encoding="utf-8"?>
-<p:sld xmlns:a="http://schemas.openxmlformats.org/drawingml/2006/main" xmlns:r="http://schemas.openxmlformats.org/officeDocument/2006/relationships" xmlns:p="http://schemas.openxmlformats.org/presentationml/2006/main">
-  <p:cSld>
-    <p:spTree>
-      <p:nvGrpSpPr>
         <p:cNvPr id="1" name="">
           <a:extLst>
             <a:ext uri="{FF2B5EF4-FFF2-40B4-BE49-F238E27FC236}">
@@ -19287,6 +19708,503 @@
     <p:extLst>
       <p:ext uri="{BB962C8B-B14F-4D97-AF65-F5344CB8AC3E}">
         <p14:creationId xmlns:p14="http://schemas.microsoft.com/office/powerpoint/2010/main" val="3400913623"/>
+      </p:ext>
+    </p:extLst>
+  </p:cSld>
+  <p:clrMapOvr>
+    <a:masterClrMapping/>
+  </p:clrMapOvr>
+</p:sld>
+</file>
+
+<file path=ppt/slides/slide9.xml><?xml version="1.0" encoding="utf-8"?>
+<p:sld xmlns:a="http://schemas.openxmlformats.org/drawingml/2006/main" xmlns:r="http://schemas.openxmlformats.org/officeDocument/2006/relationships" xmlns:p="http://schemas.openxmlformats.org/presentationml/2006/main">
+  <p:cSld>
+    <p:spTree>
+      <p:nvGrpSpPr>
+        <p:cNvPr id="1" name="">
+          <a:extLst>
+            <a:ext uri="{FF2B5EF4-FFF2-40B4-BE49-F238E27FC236}">
+              <a16:creationId xmlns:a16="http://schemas.microsoft.com/office/drawing/2014/main" id="{C94DB2AF-F678-CCF0-F3E7-9D8E2E38C4A0}"/>
+            </a:ext>
+          </a:extLst>
+        </p:cNvPr>
+        <p:cNvGrpSpPr/>
+        <p:nvPr/>
+      </p:nvGrpSpPr>
+      <p:grpSpPr>
+        <a:xfrm>
+          <a:off x="0" y="0"/>
+          <a:ext cx="0" cy="0"/>
+          <a:chOff x="0" y="0"/>
+          <a:chExt cx="0" cy="0"/>
+        </a:xfrm>
+      </p:grpSpPr>
+      <p:sp>
+        <p:nvSpPr>
+          <p:cNvPr id="2" name="Title 1">
+            <a:extLst>
+              <a:ext uri="{FF2B5EF4-FFF2-40B4-BE49-F238E27FC236}">
+                <a16:creationId xmlns:a16="http://schemas.microsoft.com/office/drawing/2014/main" id="{F56D2863-0533-E095-475E-CC9B391EB2A3}"/>
+              </a:ext>
+            </a:extLst>
+          </p:cNvPr>
+          <p:cNvSpPr>
+            <a:spLocks noGrp="1"/>
+          </p:cNvSpPr>
+          <p:nvPr>
+            <p:ph type="title"/>
+          </p:nvPr>
+        </p:nvSpPr>
+        <p:spPr>
+          <a:xfrm>
+            <a:off x="1293812" y="634181"/>
+            <a:ext cx="8611470" cy="1447800"/>
+          </a:xfrm>
+        </p:spPr>
+        <p:txBody>
+          <a:bodyPr/>
+          <a:lstStyle/>
+          <a:p>
+            <a:r>
+              <a:rPr lang="en-IN" dirty="0">
+                <a:solidFill>
+                  <a:schemeClr val="bg2">
+                    <a:lumMod val="25000"/>
+                  </a:schemeClr>
+                </a:solidFill>
+                <a:latin typeface="Cascadia Code" panose="020B0609020000020004" pitchFamily="49" charset="0"/>
+                <a:cs typeface="Cascadia Code" panose="020B0609020000020004" pitchFamily="49" charset="0"/>
+              </a:rPr>
+              <a:t>Basic Feature Extraction</a:t>
+            </a:r>
+          </a:p>
+        </p:txBody>
+      </p:sp>
+      <p:sp>
+        <p:nvSpPr>
+          <p:cNvPr id="3" name="Slide Number Placeholder 2">
+            <a:extLst>
+              <a:ext uri="{FF2B5EF4-FFF2-40B4-BE49-F238E27FC236}">
+                <a16:creationId xmlns:a16="http://schemas.microsoft.com/office/drawing/2014/main" id="{D7C5F64F-10CD-5B3E-ED8A-CD296226190F}"/>
+              </a:ext>
+            </a:extLst>
+          </p:cNvPr>
+          <p:cNvSpPr>
+            <a:spLocks noGrp="1"/>
+          </p:cNvSpPr>
+          <p:nvPr>
+            <p:ph type="sldNum" sz="quarter" idx="12"/>
+          </p:nvPr>
+        </p:nvSpPr>
+        <p:spPr/>
+        <p:txBody>
+          <a:bodyPr/>
+          <a:lstStyle/>
+          <a:p>
+            <a:r>
+              <a:rPr lang="en-US" dirty="0">
+                <a:solidFill>
+                  <a:schemeClr val="bg2">
+                    <a:lumMod val="25000"/>
+                  </a:schemeClr>
+                </a:solidFill>
+                <a:latin typeface="Cascadia Code" panose="020B0609020000020004" pitchFamily="49" charset="0"/>
+                <a:cs typeface="Cascadia Code" panose="020B0609020000020004" pitchFamily="49" charset="0"/>
+              </a:rPr>
+              <a:t>4</a:t>
+            </a:r>
+          </a:p>
+        </p:txBody>
+      </p:sp>
+      <p:sp>
+        <p:nvSpPr>
+          <p:cNvPr id="4" name="Content Placeholder 3">
+            <a:extLst>
+              <a:ext uri="{FF2B5EF4-FFF2-40B4-BE49-F238E27FC236}">
+                <a16:creationId xmlns:a16="http://schemas.microsoft.com/office/drawing/2014/main" id="{1EAC45E5-54DE-4CB6-6D57-6BB35A73F17F}"/>
+              </a:ext>
+            </a:extLst>
+          </p:cNvPr>
+          <p:cNvSpPr>
+            <a:spLocks noGrp="1"/>
+          </p:cNvSpPr>
+          <p:nvPr>
+            <p:ph idx="1"/>
+          </p:nvPr>
+        </p:nvSpPr>
+        <p:spPr>
+          <a:xfrm>
+            <a:off x="1293812" y="1358081"/>
+            <a:ext cx="10209930" cy="4724400"/>
+          </a:xfrm>
+        </p:spPr>
+        <p:txBody>
+          <a:bodyPr>
+            <a:noAutofit/>
+          </a:bodyPr>
+          <a:lstStyle/>
+          <a:p>
+            <a:r>
+              <a:rPr lang="en-US" sz="1600" b="1" dirty="0">
+                <a:solidFill>
+                  <a:schemeClr val="bg2">
+                    <a:lumMod val="25000"/>
+                  </a:schemeClr>
+                </a:solidFill>
+                <a:latin typeface="Cascadia Code" panose="020B0609020000020004" pitchFamily="49" charset="0"/>
+                <a:cs typeface="Cascadia Code" panose="020B0609020000020004" pitchFamily="49" charset="0"/>
+              </a:rPr>
+              <a:t>Goal:</a:t>
+            </a:r>
+            <a:r>
+              <a:rPr lang="en-US" sz="1600" dirty="0">
+                <a:solidFill>
+                  <a:schemeClr val="bg2">
+                    <a:lumMod val="25000"/>
+                  </a:schemeClr>
+                </a:solidFill>
+                <a:latin typeface="Cascadia Code" panose="020B0609020000020004" pitchFamily="49" charset="0"/>
+                <a:cs typeface="Cascadia Code" panose="020B0609020000020004" pitchFamily="49" charset="0"/>
+              </a:rPr>
+              <a:t> Extract grayscale-based features from local regions for skin detection, since color information is unavailable in this task .</a:t>
+            </a:r>
+          </a:p>
+          <a:p>
+            <a:r>
+              <a:rPr lang="en-US" sz="1600" b="1" dirty="0" err="1">
+                <a:solidFill>
+                  <a:schemeClr val="bg2">
+                    <a:lumMod val="25000"/>
+                  </a:schemeClr>
+                </a:solidFill>
+                <a:latin typeface="Cascadia Code" panose="020B0609020000020004" pitchFamily="49" charset="0"/>
+                <a:cs typeface="Cascadia Code" panose="020B0609020000020004" pitchFamily="49" charset="0"/>
+              </a:rPr>
+              <a:t>Superpixels</a:t>
+            </a:r>
+            <a:r>
+              <a:rPr lang="en-US" sz="1600" b="1" dirty="0">
+                <a:solidFill>
+                  <a:schemeClr val="bg2">
+                    <a:lumMod val="25000"/>
+                  </a:schemeClr>
+                </a:solidFill>
+                <a:latin typeface="Cascadia Code" panose="020B0609020000020004" pitchFamily="49" charset="0"/>
+                <a:cs typeface="Cascadia Code" panose="020B0609020000020004" pitchFamily="49" charset="0"/>
+              </a:rPr>
+              <a:t>:</a:t>
+            </a:r>
+            <a:r>
+              <a:rPr lang="en-US" sz="1600" dirty="0">
+                <a:solidFill>
+                  <a:schemeClr val="bg2">
+                    <a:lumMod val="25000"/>
+                  </a:schemeClr>
+                </a:solidFill>
+                <a:latin typeface="Cascadia Code" panose="020B0609020000020004" pitchFamily="49" charset="0"/>
+                <a:cs typeface="Cascadia Code" panose="020B0609020000020004" pitchFamily="49" charset="0"/>
+              </a:rPr>
+              <a:t> Clusters with uniform local properties; We used SLIC (Simple Linear Iterative Clustering) to extract these.</a:t>
+            </a:r>
+            <a:br>
+              <a:rPr lang="en-US" sz="1600" dirty="0">
+                <a:solidFill>
+                  <a:schemeClr val="bg2">
+                    <a:lumMod val="25000"/>
+                  </a:schemeClr>
+                </a:solidFill>
+                <a:latin typeface="Cascadia Code" panose="020B0609020000020004" pitchFamily="49" charset="0"/>
+                <a:cs typeface="Cascadia Code" panose="020B0609020000020004" pitchFamily="49" charset="0"/>
+              </a:rPr>
+            </a:br>
+            <a:r>
+              <a:rPr lang="en-US" sz="1600" dirty="0">
+                <a:solidFill>
+                  <a:schemeClr val="bg2">
+                    <a:lumMod val="25000"/>
+                  </a:schemeClr>
+                </a:solidFill>
+                <a:latin typeface="Cascadia Code" panose="020B0609020000020004" pitchFamily="49" charset="0"/>
+                <a:cs typeface="Cascadia Code" panose="020B0609020000020004" pitchFamily="49" charset="0"/>
+              </a:rPr>
+              <a:t>    		• Assumption: Skin </a:t>
+            </a:r>
+            <a:r>
+              <a:rPr lang="en-US" sz="1600" dirty="0" err="1">
+                <a:solidFill>
+                  <a:schemeClr val="bg2">
+                    <a:lumMod val="25000"/>
+                  </a:schemeClr>
+                </a:solidFill>
+                <a:latin typeface="Cascadia Code" panose="020B0609020000020004" pitchFamily="49" charset="0"/>
+                <a:cs typeface="Cascadia Code" panose="020B0609020000020004" pitchFamily="49" charset="0"/>
+              </a:rPr>
+              <a:t>superpixels</a:t>
+            </a:r>
+            <a:r>
+              <a:rPr lang="en-US" sz="1600" dirty="0">
+                <a:solidFill>
+                  <a:schemeClr val="bg2">
+                    <a:lumMod val="25000"/>
+                  </a:schemeClr>
+                </a:solidFill>
+                <a:latin typeface="Cascadia Code" panose="020B0609020000020004" pitchFamily="49" charset="0"/>
+                <a:cs typeface="Cascadia Code" panose="020B0609020000020004" pitchFamily="49" charset="0"/>
+              </a:rPr>
+              <a:t> have similar grayscale properties.</a:t>
+            </a:r>
+          </a:p>
+          <a:p>
+            <a:r>
+              <a:rPr lang="en-US" sz="1600" b="1" dirty="0">
+                <a:solidFill>
+                  <a:schemeClr val="bg2">
+                    <a:lumMod val="25000"/>
+                  </a:schemeClr>
+                </a:solidFill>
+                <a:latin typeface="Cascadia Code" panose="020B0609020000020004" pitchFamily="49" charset="0"/>
+                <a:cs typeface="Cascadia Code" panose="020B0609020000020004" pitchFamily="49" charset="0"/>
+              </a:rPr>
+              <a:t>Extracted Features (Basic): </a:t>
+            </a:r>
+            <a:r>
+              <a:rPr lang="en-US" sz="1600" dirty="0">
+                <a:solidFill>
+                  <a:schemeClr val="bg2">
+                    <a:lumMod val="25000"/>
+                  </a:schemeClr>
+                </a:solidFill>
+                <a:latin typeface="Cascadia Code" panose="020B0609020000020004" pitchFamily="49" charset="0"/>
+                <a:cs typeface="Cascadia Code" panose="020B0609020000020004" pitchFamily="49" charset="0"/>
+              </a:rPr>
+              <a:t>- Mean pixel intensity</a:t>
+            </a:r>
+          </a:p>
+          <a:p>
+            <a:r>
+              <a:rPr lang="en-US" sz="1600" dirty="0">
+                <a:solidFill>
+                  <a:schemeClr val="bg2">
+                    <a:lumMod val="25000"/>
+                  </a:schemeClr>
+                </a:solidFill>
+                <a:latin typeface="Cascadia Code" panose="020B0609020000020004" pitchFamily="49" charset="0"/>
+                <a:cs typeface="Cascadia Code" panose="020B0609020000020004" pitchFamily="49" charset="0"/>
+              </a:rPr>
+              <a:t>                            - Mean local neighborhood SD</a:t>
+            </a:r>
+          </a:p>
+          <a:p>
+            <a:r>
+              <a:rPr lang="en-US" sz="1600" dirty="0">
+                <a:solidFill>
+                  <a:schemeClr val="bg2">
+                    <a:lumMod val="25000"/>
+                  </a:schemeClr>
+                </a:solidFill>
+                <a:latin typeface="Cascadia Code" panose="020B0609020000020004" pitchFamily="49" charset="0"/>
+                <a:cs typeface="Cascadia Code" panose="020B0609020000020004" pitchFamily="49" charset="0"/>
+              </a:rPr>
+              <a:t>                            - Mean Local entropy</a:t>
+            </a:r>
+          </a:p>
+          <a:p>
+            <a:r>
+              <a:rPr kumimoji="0" lang="en-US" altLang="en-US" sz="1600" b="1" i="0" u="none" strike="noStrike" cap="none" normalizeH="0" baseline="0" dirty="0">
+                <a:ln>
+                  <a:noFill/>
+                </a:ln>
+                <a:solidFill>
+                  <a:schemeClr val="bg2">
+                    <a:lumMod val="25000"/>
+                  </a:schemeClr>
+                </a:solidFill>
+                <a:effectLst/>
+                <a:latin typeface="Cascadia Code" panose="020B0609020000020004" pitchFamily="49" charset="0"/>
+                <a:cs typeface="Cascadia Code" panose="020B0609020000020004" pitchFamily="49" charset="0"/>
+              </a:rPr>
+              <a:t>Computation: </a:t>
+            </a:r>
+            <a:r>
+              <a:rPr kumimoji="0" lang="en-US" altLang="en-US" sz="1600" i="0" u="none" strike="noStrike" cap="none" normalizeH="0" baseline="0" dirty="0">
+                <a:ln>
+                  <a:noFill/>
+                </a:ln>
+                <a:solidFill>
+                  <a:schemeClr val="bg2">
+                    <a:lumMod val="25000"/>
+                  </a:schemeClr>
+                </a:solidFill>
+                <a:effectLst/>
+                <a:latin typeface="Cascadia Code" panose="020B0609020000020004" pitchFamily="49" charset="0"/>
+                <a:cs typeface="Cascadia Code" panose="020B0609020000020004" pitchFamily="49" charset="0"/>
+              </a:rPr>
+              <a:t>Sliding general kernels for local/neighborhood features, later aggregated</a:t>
+            </a:r>
+            <a:br>
+              <a:rPr kumimoji="0" lang="en-US" altLang="en-US" sz="1600" b="0" i="0" u="none" strike="noStrike" cap="none" normalizeH="0" baseline="0" dirty="0">
+                <a:ln>
+                  <a:noFill/>
+                </a:ln>
+                <a:solidFill>
+                  <a:schemeClr val="bg2">
+                    <a:lumMod val="25000"/>
+                  </a:schemeClr>
+                </a:solidFill>
+                <a:effectLst/>
+                <a:latin typeface="Cascadia Code" panose="020B0609020000020004" pitchFamily="49" charset="0"/>
+                <a:cs typeface="Cascadia Code" panose="020B0609020000020004" pitchFamily="49" charset="0"/>
+              </a:rPr>
+            </a:br>
+            <a:endParaRPr kumimoji="0" lang="en-US" altLang="en-US" sz="1600" b="0" i="0" u="none" strike="noStrike" cap="none" normalizeH="0" baseline="0" dirty="0">
+              <a:ln>
+                <a:noFill/>
+              </a:ln>
+              <a:solidFill>
+                <a:schemeClr val="bg2">
+                  <a:lumMod val="25000"/>
+                </a:schemeClr>
+              </a:solidFill>
+              <a:effectLst/>
+              <a:latin typeface="Cascadia Code" panose="020B0609020000020004" pitchFamily="49" charset="0"/>
+              <a:cs typeface="Cascadia Code" panose="020B0609020000020004" pitchFamily="49" charset="0"/>
+            </a:endParaRPr>
+          </a:p>
+          <a:p>
+            <a:pPr marL="0" marR="0" lvl="0" indent="0" algn="l" defTabSz="914400" rtl="0" eaLnBrk="0" fontAlgn="base" latinLnBrk="0" hangingPunct="0">
+              <a:lnSpc>
+                <a:spcPct val="100000"/>
+              </a:lnSpc>
+              <a:spcBef>
+                <a:spcPct val="0"/>
+              </a:spcBef>
+              <a:spcAft>
+                <a:spcPct val="0"/>
+              </a:spcAft>
+              <a:buClrTx/>
+              <a:buSzTx/>
+              <a:tabLst/>
+            </a:pPr>
+            <a:r>
+              <a:rPr kumimoji="0" lang="en-US" altLang="en-US" sz="1600" b="1" i="0" u="none" strike="noStrike" cap="none" normalizeH="0" baseline="0" dirty="0">
+                <a:ln>
+                  <a:noFill/>
+                </a:ln>
+                <a:solidFill>
+                  <a:schemeClr val="bg2">
+                    <a:lumMod val="25000"/>
+                  </a:schemeClr>
+                </a:solidFill>
+                <a:effectLst/>
+                <a:latin typeface="Cascadia Code" panose="020B0609020000020004" pitchFamily="49" charset="0"/>
+                <a:cs typeface="Cascadia Code" panose="020B0609020000020004" pitchFamily="49" charset="0"/>
+              </a:rPr>
+              <a:t>		     STD(NNᵢ) = √[ (1 / r²) × </a:t>
+            </a:r>
+            <a:r>
+              <a:rPr kumimoji="0" lang="el-GR" altLang="en-US" sz="1600" b="1" i="0" u="none" strike="noStrike" cap="none" normalizeH="0" baseline="0" dirty="0">
+                <a:ln>
+                  <a:noFill/>
+                </a:ln>
+                <a:solidFill>
+                  <a:schemeClr val="bg2">
+                    <a:lumMod val="25000"/>
+                  </a:schemeClr>
+                </a:solidFill>
+                <a:effectLst/>
+                <a:latin typeface="Cascadia Code" panose="020B0609020000020004" pitchFamily="49" charset="0"/>
+                <a:cs typeface="Cascadia Code" panose="020B0609020000020004" pitchFamily="49" charset="0"/>
+              </a:rPr>
+              <a:t>Σ</a:t>
+            </a:r>
+            <a:r>
+              <a:rPr kumimoji="0" lang="en-US" altLang="en-US" sz="1600" b="1" i="0" u="none" strike="noStrike" cap="none" normalizeH="0" baseline="0" dirty="0">
+                <a:ln>
+                  <a:noFill/>
+                </a:ln>
+                <a:solidFill>
+                  <a:schemeClr val="bg2">
+                    <a:lumMod val="25000"/>
+                  </a:schemeClr>
+                </a:solidFill>
+                <a:effectLst/>
+                <a:latin typeface="Cascadia Code" panose="020B0609020000020004" pitchFamily="49" charset="0"/>
+                <a:cs typeface="Cascadia Code" panose="020B0609020000020004" pitchFamily="49" charset="0"/>
+              </a:rPr>
+              <a:t>ⱼ∈NN (xⱼ − x̄ᵢ)² ]</a:t>
+            </a:r>
+          </a:p>
+          <a:p>
+            <a:pPr marL="0" marR="0" lvl="0" indent="0" algn="l" defTabSz="914400" rtl="0" eaLnBrk="0" fontAlgn="base" latinLnBrk="0" hangingPunct="0">
+              <a:lnSpc>
+                <a:spcPct val="100000"/>
+              </a:lnSpc>
+              <a:spcBef>
+                <a:spcPct val="0"/>
+              </a:spcBef>
+              <a:spcAft>
+                <a:spcPct val="0"/>
+              </a:spcAft>
+              <a:buClrTx/>
+              <a:buSzTx/>
+              <a:tabLst/>
+            </a:pPr>
+            <a:r>
+              <a:rPr kumimoji="0" lang="en-US" altLang="en-US" sz="1600" b="1" i="0" u="none" strike="noStrike" cap="none" normalizeH="0" baseline="0" dirty="0">
+                <a:ln>
+                  <a:noFill/>
+                </a:ln>
+                <a:solidFill>
+                  <a:schemeClr val="bg2">
+                    <a:lumMod val="25000"/>
+                  </a:schemeClr>
+                </a:solidFill>
+                <a:effectLst/>
+                <a:latin typeface="Cascadia Code" panose="020B0609020000020004" pitchFamily="49" charset="0"/>
+                <a:cs typeface="Cascadia Code" panose="020B0609020000020004" pitchFamily="49" charset="0"/>
+              </a:rPr>
+              <a:t>		         ENT(NNᵢ) = − </a:t>
+            </a:r>
+            <a:r>
+              <a:rPr kumimoji="0" lang="el-GR" altLang="en-US" sz="1600" b="1" i="0" u="none" strike="noStrike" cap="none" normalizeH="0" baseline="0" dirty="0">
+                <a:ln>
+                  <a:noFill/>
+                </a:ln>
+                <a:solidFill>
+                  <a:schemeClr val="bg2">
+                    <a:lumMod val="25000"/>
+                  </a:schemeClr>
+                </a:solidFill>
+                <a:effectLst/>
+                <a:latin typeface="Cascadia Code" panose="020B0609020000020004" pitchFamily="49" charset="0"/>
+                <a:cs typeface="Cascadia Code" panose="020B0609020000020004" pitchFamily="49" charset="0"/>
+              </a:rPr>
+              <a:t>Σ</a:t>
+            </a:r>
+            <a:r>
+              <a:rPr kumimoji="0" lang="en-US" altLang="en-US" sz="1600" b="1" i="0" u="none" strike="noStrike" cap="none" normalizeH="0" baseline="0" dirty="0">
+                <a:ln>
+                  <a:noFill/>
+                </a:ln>
+                <a:solidFill>
+                  <a:schemeClr val="bg2">
+                    <a:lumMod val="25000"/>
+                  </a:schemeClr>
+                </a:solidFill>
+                <a:effectLst/>
+                <a:latin typeface="Cascadia Code" panose="020B0609020000020004" pitchFamily="49" charset="0"/>
+                <a:cs typeface="Cascadia Code" panose="020B0609020000020004" pitchFamily="49" charset="0"/>
+              </a:rPr>
+              <a:t>ⱼ P(xⱼ) × log(P(xⱼ))</a:t>
+            </a:r>
+          </a:p>
+        </p:txBody>
+      </p:sp>
+    </p:spTree>
+    <p:extLst>
+      <p:ext uri="{BB962C8B-B14F-4D97-AF65-F5344CB8AC3E}">
+        <p14:creationId xmlns:p14="http://schemas.microsoft.com/office/powerpoint/2010/main" val="1536416334"/>
       </p:ext>
     </p:extLst>
   </p:cSld>
@@ -20075,35 +20993,6 @@
 </file>
 
 <file path=customXml/item1.xml><?xml version="1.0" encoding="utf-8"?>
-<p:properties xmlns:p="http://schemas.microsoft.com/office/2006/metadata/properties" xmlns:xsi="http://www.w3.org/2001/XMLSchema-instance" xmlns:pc="http://schemas.microsoft.com/office/infopath/2007/PartnerControls">
-  <documentManagement>
-    <_ip_UnifiedCompliancePolicyUIAction xmlns="http://schemas.microsoft.com/sharepoint/v3" xsi:nil="true"/>
-    <Image xmlns="71af3243-3dd4-4a8d-8c0d-dd76da1f02a5">
-      <Url xsi:nil="true"/>
-      <Description xsi:nil="true"/>
-    </Image>
-    <Status xmlns="71af3243-3dd4-4a8d-8c0d-dd76da1f02a5">Not started</Status>
-    <Background xmlns="71af3243-3dd4-4a8d-8c0d-dd76da1f02a5">false</Background>
-    <_ip_UnifiedCompliancePolicyProperties xmlns="http://schemas.microsoft.com/sharepoint/v3" xsi:nil="true"/>
-    <ImageTagsTaxHTField xmlns="71af3243-3dd4-4a8d-8c0d-dd76da1f02a5">
-      <Terms xmlns="http://schemas.microsoft.com/office/infopath/2007/PartnerControls"/>
-    </ImageTagsTaxHTField>
-    <TaxCatchAll xmlns="230e9df3-be65-4c73-a93b-d1236ebd677e" xsi:nil="true"/>
-    <MediaServiceKeyPoints xmlns="71af3243-3dd4-4a8d-8c0d-dd76da1f02a5" xsi:nil="true"/>
-  </documentManagement>
-</p:properties>
-</file>
-
-<file path=customXml/item2.xml><?xml version="1.0" encoding="utf-8"?>
-<?mso-contentType ?>
-<FormTemplates xmlns="http://schemas.microsoft.com/sharepoint/v3/contenttype/forms">
-  <Display>DocumentLibraryForm</Display>
-  <Edit>DocumentLibraryForm</Edit>
-  <New>DocumentLibraryForm</New>
-</FormTemplates>
-</file>
-
-<file path=customXml/item3.xml><?xml version="1.0" encoding="utf-8"?>
 <ct:contentTypeSchema xmlns:ct="http://schemas.microsoft.com/office/2006/metadata/contentType" xmlns:ma="http://schemas.microsoft.com/office/2006/metadata/properties/metaAttributes" ct:_="" ma:_="" ma:contentTypeName="Document" ma:contentTypeID="0x01010079F111ED35F8CC479449609E8A0923A6" ma:contentTypeVersion="28" ma:contentTypeDescription="Create a new document." ma:contentTypeScope="" ma:versionID="60f5a4f2d2b0abadcf532d48ebf9cb71">
   <xsd:schema xmlns:xsd="http://www.w3.org/2001/XMLSchema" xmlns:xs="http://www.w3.org/2001/XMLSchema" xmlns:p="http://schemas.microsoft.com/office/2006/metadata/properties" xmlns:ns1="http://schemas.microsoft.com/sharepoint/v3" xmlns:ns2="71af3243-3dd4-4a8d-8c0d-dd76da1f02a5" xmlns:ns3="16c05727-aa75-4e4a-9b5f-8a80a1165891" xmlns:ns4="230e9df3-be65-4c73-a93b-d1236ebd677e" targetNamespace="http://schemas.microsoft.com/office/2006/metadata/properties" ma:root="true" ma:fieldsID="7dd78129e6a1811f84807ad11c651531" ns1:_="" ns2:_="" ns3:_="" ns4:_="">
     <xsd:import namespace="http://schemas.microsoft.com/sharepoint/v3"/>
@@ -20415,34 +21304,36 @@
 </ct:contentTypeSchema>
 </file>
 
-<file path=customXml/itemProps1.xml><?xml version="1.0" encoding="utf-8"?>
-<ds:datastoreItem xmlns:ds="http://schemas.openxmlformats.org/officeDocument/2006/customXml" ds:itemID="{AF050606-E255-48B6-AE23-CE03A589EB22}">
-  <ds:schemaRefs>
-    <ds:schemaRef ds:uri="http://schemas.microsoft.com/office/infopath/2007/PartnerControls"/>
-    <ds:schemaRef ds:uri="http://schemas.microsoft.com/office/2006/metadata/properties"/>
-    <ds:schemaRef ds:uri="http://purl.org/dc/dcmitype/"/>
-    <ds:schemaRef ds:uri="http://schemas.microsoft.com/office/2006/documentManagement/types"/>
-    <ds:schemaRef ds:uri="http://purl.org/dc/elements/1.1/"/>
-    <ds:schemaRef ds:uri="http://schemas.openxmlformats.org/package/2006/metadata/core-properties"/>
-    <ds:schemaRef ds:uri="230e9df3-be65-4c73-a93b-d1236ebd677e"/>
-    <ds:schemaRef ds:uri="16c05727-aa75-4e4a-9b5f-8a80a1165891"/>
-    <ds:schemaRef ds:uri="http://schemas.microsoft.com/sharepoint/v3"/>
-    <ds:schemaRef ds:uri="71af3243-3dd4-4a8d-8c0d-dd76da1f02a5"/>
-    <ds:schemaRef ds:uri="http://www.w3.org/XML/1998/namespace"/>
-    <ds:schemaRef ds:uri="http://purl.org/dc/terms/"/>
-  </ds:schemaRefs>
-</ds:datastoreItem>
+<file path=customXml/item2.xml><?xml version="1.0" encoding="utf-8"?>
+<?mso-contentType ?>
+<FormTemplates xmlns="http://schemas.microsoft.com/sharepoint/v3/contenttype/forms">
+  <Display>DocumentLibraryForm</Display>
+  <Edit>DocumentLibraryForm</Edit>
+  <New>DocumentLibraryForm</New>
+</FormTemplates>
 </file>
 
-<file path=customXml/itemProps2.xml><?xml version="1.0" encoding="utf-8"?>
-<ds:datastoreItem xmlns:ds="http://schemas.openxmlformats.org/officeDocument/2006/customXml" ds:itemID="{4C37B52A-9EC8-4B7A-85C4-31F7EAFE403D}">
-  <ds:schemaRefs>
-    <ds:schemaRef ds:uri="http://schemas.microsoft.com/sharepoint/v3/contenttype/forms"/>
-  </ds:schemaRefs>
-</ds:datastoreItem>
+<file path=customXml/item3.xml><?xml version="1.0" encoding="utf-8"?>
+<p:properties xmlns:p="http://schemas.microsoft.com/office/2006/metadata/properties" xmlns:xsi="http://www.w3.org/2001/XMLSchema-instance" xmlns:pc="http://schemas.microsoft.com/office/infopath/2007/PartnerControls">
+  <documentManagement>
+    <_ip_UnifiedCompliancePolicyUIAction xmlns="http://schemas.microsoft.com/sharepoint/v3" xsi:nil="true"/>
+    <Image xmlns="71af3243-3dd4-4a8d-8c0d-dd76da1f02a5">
+      <Url xsi:nil="true"/>
+      <Description xsi:nil="true"/>
+    </Image>
+    <Status xmlns="71af3243-3dd4-4a8d-8c0d-dd76da1f02a5">Not started</Status>
+    <Background xmlns="71af3243-3dd4-4a8d-8c0d-dd76da1f02a5">false</Background>
+    <_ip_UnifiedCompliancePolicyProperties xmlns="http://schemas.microsoft.com/sharepoint/v3" xsi:nil="true"/>
+    <ImageTagsTaxHTField xmlns="71af3243-3dd4-4a8d-8c0d-dd76da1f02a5">
+      <Terms xmlns="http://schemas.microsoft.com/office/infopath/2007/PartnerControls"/>
+    </ImageTagsTaxHTField>
+    <TaxCatchAll xmlns="230e9df3-be65-4c73-a93b-d1236ebd677e" xsi:nil="true"/>
+    <MediaServiceKeyPoints xmlns="71af3243-3dd4-4a8d-8c0d-dd76da1f02a5" xsi:nil="true"/>
+  </documentManagement>
+</p:properties>
 </file>
 
-<file path=customXml/itemProps3.xml><?xml version="1.0" encoding="utf-8"?>
+<file path=customXml/itemProps1.xml><?xml version="1.0" encoding="utf-8"?>
 <ds:datastoreItem xmlns:ds="http://schemas.openxmlformats.org/officeDocument/2006/customXml" ds:itemID="{20C06458-EC9A-428C-9123-A760B9587A60}">
   <ds:schemaRefs>
     <ds:schemaRef ds:uri="http://schemas.microsoft.com/office/2006/metadata/contentType"/>
@@ -20463,6 +21354,33 @@
 </ds:datastoreItem>
 </file>
 
+<file path=customXml/itemProps2.xml><?xml version="1.0" encoding="utf-8"?>
+<ds:datastoreItem xmlns:ds="http://schemas.openxmlformats.org/officeDocument/2006/customXml" ds:itemID="{4C37B52A-9EC8-4B7A-85C4-31F7EAFE403D}">
+  <ds:schemaRefs>
+    <ds:schemaRef ds:uri="http://schemas.microsoft.com/sharepoint/v3/contenttype/forms"/>
+  </ds:schemaRefs>
+</ds:datastoreItem>
+</file>
+
+<file path=customXml/itemProps3.xml><?xml version="1.0" encoding="utf-8"?>
+<ds:datastoreItem xmlns:ds="http://schemas.openxmlformats.org/officeDocument/2006/customXml" ds:itemID="{AF050606-E255-48B6-AE23-CE03A589EB22}">
+  <ds:schemaRefs>
+    <ds:schemaRef ds:uri="http://schemas.microsoft.com/office/infopath/2007/PartnerControls"/>
+    <ds:schemaRef ds:uri="http://schemas.microsoft.com/office/2006/metadata/properties"/>
+    <ds:schemaRef ds:uri="http://purl.org/dc/dcmitype/"/>
+    <ds:schemaRef ds:uri="http://schemas.microsoft.com/office/2006/documentManagement/types"/>
+    <ds:schemaRef ds:uri="http://purl.org/dc/elements/1.1/"/>
+    <ds:schemaRef ds:uri="http://schemas.openxmlformats.org/package/2006/metadata/core-properties"/>
+    <ds:schemaRef ds:uri="230e9df3-be65-4c73-a93b-d1236ebd677e"/>
+    <ds:schemaRef ds:uri="16c05727-aa75-4e4a-9b5f-8a80a1165891"/>
+    <ds:schemaRef ds:uri="http://schemas.microsoft.com/sharepoint/v3"/>
+    <ds:schemaRef ds:uri="71af3243-3dd4-4a8d-8c0d-dd76da1f02a5"/>
+    <ds:schemaRef ds:uri="http://www.w3.org/XML/1998/namespace"/>
+    <ds:schemaRef ds:uri="http://purl.org/dc/terms/"/>
+  </ds:schemaRefs>
+</ds:datastoreItem>
+</file>
+
 <file path=docMetadata/LabelInfo.xml><?xml version="1.0" encoding="utf-8"?>
 <clbl:labelList xmlns:clbl="http://schemas.microsoft.com/office/2020/mipLabelMetadata"/>
 </file>
--- a/presentation.pptx
+++ b/presentation.pptx
@@ -5,10 +5,10 @@
     <p:sldMasterId id="2147483660" r:id="rId4"/>
   </p:sldMasterIdLst>
   <p:notesMasterIdLst>
-    <p:notesMasterId r:id="rId26"/>
+    <p:notesMasterId r:id="rId29"/>
   </p:notesMasterIdLst>
   <p:handoutMasterIdLst>
-    <p:handoutMasterId r:id="rId27"/>
+    <p:handoutMasterId r:id="rId30"/>
   </p:handoutMasterIdLst>
   <p:sldIdLst>
     <p:sldId id="257" r:id="rId5"/>
@@ -24,14 +24,17 @@
     <p:sldId id="273" r:id="rId15"/>
     <p:sldId id="274" r:id="rId16"/>
     <p:sldId id="275" r:id="rId17"/>
-    <p:sldId id="269" r:id="rId18"/>
-    <p:sldId id="277" r:id="rId19"/>
-    <p:sldId id="278" r:id="rId20"/>
-    <p:sldId id="279" r:id="rId21"/>
-    <p:sldId id="282" r:id="rId22"/>
-    <p:sldId id="283" r:id="rId23"/>
-    <p:sldId id="284" r:id="rId24"/>
-    <p:sldId id="285" r:id="rId25"/>
+    <p:sldId id="286" r:id="rId18"/>
+    <p:sldId id="287" r:id="rId19"/>
+    <p:sldId id="288" r:id="rId20"/>
+    <p:sldId id="269" r:id="rId21"/>
+    <p:sldId id="277" r:id="rId22"/>
+    <p:sldId id="278" r:id="rId23"/>
+    <p:sldId id="279" r:id="rId24"/>
+    <p:sldId id="282" r:id="rId25"/>
+    <p:sldId id="283" r:id="rId26"/>
+    <p:sldId id="284" r:id="rId27"/>
+    <p:sldId id="285" r:id="rId28"/>
   </p:sldIdLst>
   <p:sldSz cx="12188825" cy="6858000"/>
   <p:notesSz cx="6858000" cy="9144000"/>
@@ -15211,7 +15214,7 @@
                 <a:latin typeface="Cascadia Code" panose="020B0609020000020004" pitchFamily="49" charset="0"/>
                 <a:cs typeface="Cascadia Code" panose="020B0609020000020004" pitchFamily="49" charset="0"/>
               </a:rPr>
-              <a:t> leverage previously learned texture-based features from known skin regions (face mask) to estimate the likelihood that other </a:t>
+              <a:t> Leverage previously learned texture-based features from known skin regions (face mask) to estimate the likelihood that other </a:t>
             </a:r>
             <a:r>
               <a:rPr lang="en-US" sz="1600" dirty="0" err="1">
@@ -16482,6 +16485,1445 @@
 </file>
 
 <file path=ppt/slides/slide14.xml><?xml version="1.0" encoding="utf-8"?>
+<p:sld xmlns:a="http://schemas.openxmlformats.org/drawingml/2006/main" xmlns:r="http://schemas.openxmlformats.org/officeDocument/2006/relationships" xmlns:p="http://schemas.openxmlformats.org/presentationml/2006/main">
+  <p:cSld>
+    <p:spTree>
+      <p:nvGrpSpPr>
+        <p:cNvPr id="1" name="">
+          <a:extLst>
+            <a:ext uri="{FF2B5EF4-FFF2-40B4-BE49-F238E27FC236}">
+              <a16:creationId xmlns:a16="http://schemas.microsoft.com/office/drawing/2014/main" id="{FD6E401D-D841-D0BB-8C97-66F085F70E0C}"/>
+            </a:ext>
+          </a:extLst>
+        </p:cNvPr>
+        <p:cNvGrpSpPr/>
+        <p:nvPr/>
+      </p:nvGrpSpPr>
+      <p:grpSpPr>
+        <a:xfrm>
+          <a:off x="0" y="0"/>
+          <a:ext cx="0" cy="0"/>
+          <a:chOff x="0" y="0"/>
+          <a:chExt cx="0" cy="0"/>
+        </a:xfrm>
+      </p:grpSpPr>
+      <p:sp>
+        <p:nvSpPr>
+          <p:cNvPr id="2" name="Title 1">
+            <a:extLst>
+              <a:ext uri="{FF2B5EF4-FFF2-40B4-BE49-F238E27FC236}">
+                <a16:creationId xmlns:a16="http://schemas.microsoft.com/office/drawing/2014/main" id="{57A95D36-E4D9-C3CE-98DD-655C4FDC23C5}"/>
+              </a:ext>
+            </a:extLst>
+          </p:cNvPr>
+          <p:cNvSpPr>
+            <a:spLocks noGrp="1"/>
+          </p:cNvSpPr>
+          <p:nvPr>
+            <p:ph type="title"/>
+          </p:nvPr>
+        </p:nvSpPr>
+        <p:spPr>
+          <a:xfrm>
+            <a:off x="1293812" y="634181"/>
+            <a:ext cx="8611470" cy="1447800"/>
+          </a:xfrm>
+        </p:spPr>
+        <p:txBody>
+          <a:bodyPr/>
+          <a:lstStyle/>
+          <a:p>
+            <a:r>
+              <a:rPr lang="en-IN" dirty="0">
+                <a:solidFill>
+                  <a:schemeClr val="bg2">
+                    <a:lumMod val="25000"/>
+                  </a:schemeClr>
+                </a:solidFill>
+                <a:latin typeface="Cascadia Code" panose="020B0609020000020004" pitchFamily="49" charset="0"/>
+                <a:cs typeface="Cascadia Code" panose="020B0609020000020004" pitchFamily="49" charset="0"/>
+              </a:rPr>
+              <a:t>Region Growing Algorithm</a:t>
+            </a:r>
+          </a:p>
+        </p:txBody>
+      </p:sp>
+      <p:sp>
+        <p:nvSpPr>
+          <p:cNvPr id="3" name="Slide Number Placeholder 2">
+            <a:extLst>
+              <a:ext uri="{FF2B5EF4-FFF2-40B4-BE49-F238E27FC236}">
+                <a16:creationId xmlns:a16="http://schemas.microsoft.com/office/drawing/2014/main" id="{2EFA2485-B938-049B-44F7-BDAC6A2B9E07}"/>
+              </a:ext>
+            </a:extLst>
+          </p:cNvPr>
+          <p:cNvSpPr>
+            <a:spLocks noGrp="1"/>
+          </p:cNvSpPr>
+          <p:nvPr>
+            <p:ph type="sldNum" sz="quarter" idx="12"/>
+          </p:nvPr>
+        </p:nvSpPr>
+        <p:spPr/>
+        <p:txBody>
+          <a:bodyPr/>
+          <a:lstStyle/>
+          <a:p>
+            <a:r>
+              <a:rPr lang="en-US" dirty="0">
+                <a:solidFill>
+                  <a:schemeClr val="bg2">
+                    <a:lumMod val="25000"/>
+                  </a:schemeClr>
+                </a:solidFill>
+                <a:latin typeface="Cascadia Code" panose="020B0609020000020004" pitchFamily="49" charset="0"/>
+                <a:cs typeface="Cascadia Code" panose="020B0609020000020004" pitchFamily="49" charset="0"/>
+              </a:rPr>
+              <a:t>7</a:t>
+            </a:r>
+          </a:p>
+        </p:txBody>
+      </p:sp>
+      <p:sp>
+        <p:nvSpPr>
+          <p:cNvPr id="4" name="Content Placeholder 3">
+            <a:extLst>
+              <a:ext uri="{FF2B5EF4-FFF2-40B4-BE49-F238E27FC236}">
+                <a16:creationId xmlns:a16="http://schemas.microsoft.com/office/drawing/2014/main" id="{E4951FEC-1DDE-704E-F41F-483B95C4E0F1}"/>
+              </a:ext>
+            </a:extLst>
+          </p:cNvPr>
+          <p:cNvSpPr>
+            <a:spLocks noGrp="1"/>
+          </p:cNvSpPr>
+          <p:nvPr>
+            <p:ph idx="1"/>
+          </p:nvPr>
+        </p:nvSpPr>
+        <p:spPr>
+          <a:xfrm>
+            <a:off x="1293812" y="1358081"/>
+            <a:ext cx="10209930" cy="4724400"/>
+          </a:xfrm>
+        </p:spPr>
+        <p:txBody>
+          <a:bodyPr>
+            <a:noAutofit/>
+          </a:bodyPr>
+          <a:lstStyle/>
+          <a:p>
+            <a:r>
+              <a:rPr lang="en-US" sz="1600" b="1" dirty="0">
+                <a:solidFill>
+                  <a:schemeClr val="bg2">
+                    <a:lumMod val="25000"/>
+                  </a:schemeClr>
+                </a:solidFill>
+                <a:latin typeface="Cascadia Code" panose="020B0609020000020004" pitchFamily="49" charset="0"/>
+                <a:cs typeface="Cascadia Code" panose="020B0609020000020004" pitchFamily="49" charset="0"/>
+              </a:rPr>
+              <a:t>Goal:</a:t>
+            </a:r>
+            <a:r>
+              <a:rPr lang="en-US" sz="1600" dirty="0">
+                <a:solidFill>
+                  <a:schemeClr val="bg2">
+                    <a:lumMod val="25000"/>
+                  </a:schemeClr>
+                </a:solidFill>
+                <a:latin typeface="Cascadia Code" panose="020B0609020000020004" pitchFamily="49" charset="0"/>
+                <a:cs typeface="Cascadia Code" panose="020B0609020000020004" pitchFamily="49" charset="0"/>
+              </a:rPr>
+              <a:t> Use estimates gathered so far to detect skin pixels outside of the face.</a:t>
+            </a:r>
+          </a:p>
+          <a:p>
+            <a:r>
+              <a:rPr lang="en-US" sz="1600" b="1" dirty="0">
+                <a:solidFill>
+                  <a:schemeClr val="bg2">
+                    <a:lumMod val="25000"/>
+                  </a:schemeClr>
+                </a:solidFill>
+                <a:latin typeface="Cascadia Code" panose="020B0609020000020004" pitchFamily="49" charset="0"/>
+                <a:cs typeface="Cascadia Code" panose="020B0609020000020004" pitchFamily="49" charset="0"/>
+              </a:rPr>
+              <a:t>Algorithm:</a:t>
+            </a:r>
+            <a:endParaRPr lang="en-US" sz="1600" dirty="0">
+              <a:solidFill>
+                <a:schemeClr val="bg2">
+                  <a:lumMod val="25000"/>
+                </a:schemeClr>
+              </a:solidFill>
+              <a:latin typeface="Cascadia Code" panose="020B0609020000020004" pitchFamily="49" charset="0"/>
+              <a:cs typeface="Cascadia Code" panose="020B0609020000020004" pitchFamily="49" charset="0"/>
+            </a:endParaRPr>
+          </a:p>
+          <a:p>
+            <a:r>
+              <a:rPr lang="en-US" sz="1600" dirty="0">
+                <a:solidFill>
+                  <a:schemeClr val="bg2">
+                    <a:lumMod val="25000"/>
+                  </a:schemeClr>
+                </a:solidFill>
+                <a:latin typeface="Cascadia Code" panose="020B0609020000020004" pitchFamily="49" charset="0"/>
+                <a:cs typeface="Cascadia Code" panose="020B0609020000020004" pitchFamily="49" charset="0"/>
+              </a:rPr>
+              <a:t>The region growing algorithm is the culmination of this paper. It leverages all the information extracted from all </a:t>
+            </a:r>
+            <a:r>
+              <a:rPr lang="en-US" sz="1600" dirty="0" err="1">
+                <a:solidFill>
+                  <a:schemeClr val="bg2">
+                    <a:lumMod val="25000"/>
+                  </a:schemeClr>
+                </a:solidFill>
+                <a:latin typeface="Cascadia Code" panose="020B0609020000020004" pitchFamily="49" charset="0"/>
+                <a:cs typeface="Cascadia Code" panose="020B0609020000020004" pitchFamily="49" charset="0"/>
+              </a:rPr>
+              <a:t>superpixels</a:t>
+            </a:r>
+            <a:r>
+              <a:rPr lang="en-US" sz="1600" dirty="0">
+                <a:solidFill>
+                  <a:schemeClr val="bg2">
+                    <a:lumMod val="25000"/>
+                  </a:schemeClr>
+                </a:solidFill>
+                <a:latin typeface="Cascadia Code" panose="020B0609020000020004" pitchFamily="49" charset="0"/>
+                <a:cs typeface="Cascadia Code" panose="020B0609020000020004" pitchFamily="49" charset="0"/>
+              </a:rPr>
+              <a:t> and known skin </a:t>
+            </a:r>
+            <a:r>
+              <a:rPr lang="en-US" sz="1600" dirty="0" err="1">
+                <a:solidFill>
+                  <a:schemeClr val="bg2">
+                    <a:lumMod val="25000"/>
+                  </a:schemeClr>
+                </a:solidFill>
+                <a:latin typeface="Cascadia Code" panose="020B0609020000020004" pitchFamily="49" charset="0"/>
+                <a:cs typeface="Cascadia Code" panose="020B0609020000020004" pitchFamily="49" charset="0"/>
+              </a:rPr>
+              <a:t>superpixels</a:t>
+            </a:r>
+            <a:r>
+              <a:rPr lang="en-US" sz="1600" dirty="0">
+                <a:solidFill>
+                  <a:schemeClr val="bg2">
+                    <a:lumMod val="25000"/>
+                  </a:schemeClr>
+                </a:solidFill>
+                <a:latin typeface="Cascadia Code" panose="020B0609020000020004" pitchFamily="49" charset="0"/>
+                <a:cs typeface="Cascadia Code" panose="020B0609020000020004" pitchFamily="49" charset="0"/>
+              </a:rPr>
+              <a:t> to classify skin pixels beyond just the face.</a:t>
+            </a:r>
+          </a:p>
+          <a:p>
+            <a:r>
+              <a:rPr lang="en-US" sz="1600" dirty="0">
+                <a:solidFill>
+                  <a:schemeClr val="bg2">
+                    <a:lumMod val="25000"/>
+                  </a:schemeClr>
+                </a:solidFill>
+                <a:latin typeface="Cascadia Code" panose="020B0609020000020004" pitchFamily="49" charset="0"/>
+                <a:cs typeface="Cascadia Code" panose="020B0609020000020004" pitchFamily="49" charset="0"/>
+              </a:rPr>
+              <a:t>1. The first step is to select seed </a:t>
+            </a:r>
+            <a:r>
+              <a:rPr lang="en-US" sz="1600" dirty="0" err="1">
+                <a:solidFill>
+                  <a:schemeClr val="bg2">
+                    <a:lumMod val="25000"/>
+                  </a:schemeClr>
+                </a:solidFill>
+                <a:latin typeface="Cascadia Code" panose="020B0609020000020004" pitchFamily="49" charset="0"/>
+                <a:cs typeface="Cascadia Code" panose="020B0609020000020004" pitchFamily="49" charset="0"/>
+              </a:rPr>
+              <a:t>superpixels</a:t>
+            </a:r>
+            <a:r>
+              <a:rPr lang="en-US" sz="1600" dirty="0">
+                <a:solidFill>
+                  <a:schemeClr val="bg2">
+                    <a:lumMod val="25000"/>
+                  </a:schemeClr>
+                </a:solidFill>
+                <a:latin typeface="Cascadia Code" panose="020B0609020000020004" pitchFamily="49" charset="0"/>
+                <a:cs typeface="Cascadia Code" panose="020B0609020000020004" pitchFamily="49" charset="0"/>
+              </a:rPr>
+              <a:t>: After calculating </a:t>
+            </a:r>
+            <a:r>
+              <a:rPr lang="en-US" altLang="en-US" sz="1600" b="1" dirty="0">
+                <a:solidFill>
+                  <a:schemeClr val="bg2">
+                    <a:lumMod val="25000"/>
+                  </a:schemeClr>
+                </a:solidFill>
+                <a:latin typeface="Cascadia Code" panose="020B0609020000020004" pitchFamily="49" charset="0"/>
+                <a:cs typeface="Cascadia Code" panose="020B0609020000020004" pitchFamily="49" charset="0"/>
+              </a:rPr>
+              <a:t>P_I(s | F(I)) </a:t>
+            </a:r>
+            <a:r>
+              <a:rPr lang="en-US" altLang="en-US" sz="1600" dirty="0">
+                <a:solidFill>
+                  <a:schemeClr val="bg2">
+                    <a:lumMod val="25000"/>
+                  </a:schemeClr>
+                </a:solidFill>
+                <a:latin typeface="Cascadia Code" panose="020B0609020000020004" pitchFamily="49" charset="0"/>
+                <a:cs typeface="Cascadia Code" panose="020B0609020000020004" pitchFamily="49" charset="0"/>
+              </a:rPr>
+              <a:t>for every </a:t>
+            </a:r>
+            <a:r>
+              <a:rPr lang="en-US" altLang="en-US" sz="1600" dirty="0" err="1">
+                <a:solidFill>
+                  <a:schemeClr val="bg2">
+                    <a:lumMod val="25000"/>
+                  </a:schemeClr>
+                </a:solidFill>
+                <a:latin typeface="Cascadia Code" panose="020B0609020000020004" pitchFamily="49" charset="0"/>
+                <a:cs typeface="Cascadia Code" panose="020B0609020000020004" pitchFamily="49" charset="0"/>
+              </a:rPr>
+              <a:t>superpixel</a:t>
+            </a:r>
+            <a:r>
+              <a:rPr lang="en-US" altLang="en-US" sz="1600" dirty="0">
+                <a:solidFill>
+                  <a:schemeClr val="bg2">
+                    <a:lumMod val="25000"/>
+                  </a:schemeClr>
+                </a:solidFill>
+                <a:latin typeface="Cascadia Code" panose="020B0609020000020004" pitchFamily="49" charset="0"/>
+                <a:cs typeface="Cascadia Code" panose="020B0609020000020004" pitchFamily="49" charset="0"/>
+              </a:rPr>
+              <a:t>, we create a seed </a:t>
+            </a:r>
+            <a:r>
+              <a:rPr lang="en-US" altLang="en-US" sz="1600" dirty="0" err="1">
+                <a:solidFill>
+                  <a:schemeClr val="bg2">
+                    <a:lumMod val="25000"/>
+                  </a:schemeClr>
+                </a:solidFill>
+                <a:latin typeface="Cascadia Code" panose="020B0609020000020004" pitchFamily="49" charset="0"/>
+                <a:cs typeface="Cascadia Code" panose="020B0609020000020004" pitchFamily="49" charset="0"/>
+              </a:rPr>
+              <a:t>superpixel</a:t>
+            </a:r>
+            <a:r>
+              <a:rPr lang="en-US" altLang="en-US" sz="1600" dirty="0">
+                <a:solidFill>
+                  <a:schemeClr val="bg2">
+                    <a:lumMod val="25000"/>
+                  </a:schemeClr>
+                </a:solidFill>
+                <a:latin typeface="Cascadia Code" panose="020B0609020000020004" pitchFamily="49" charset="0"/>
+                <a:cs typeface="Cascadia Code" panose="020B0609020000020004" pitchFamily="49" charset="0"/>
+              </a:rPr>
+              <a:t> set with a percentile threshold. These </a:t>
+            </a:r>
+            <a:r>
+              <a:rPr lang="en-US" altLang="en-US" sz="1600" dirty="0" err="1">
+                <a:solidFill>
+                  <a:schemeClr val="bg2">
+                    <a:lumMod val="25000"/>
+                  </a:schemeClr>
+                </a:solidFill>
+                <a:latin typeface="Cascadia Code" panose="020B0609020000020004" pitchFamily="49" charset="0"/>
+                <a:cs typeface="Cascadia Code" panose="020B0609020000020004" pitchFamily="49" charset="0"/>
+              </a:rPr>
+              <a:t>superpixels</a:t>
+            </a:r>
+            <a:r>
+              <a:rPr lang="en-US" altLang="en-US" sz="1600" dirty="0">
+                <a:solidFill>
+                  <a:schemeClr val="bg2">
+                    <a:lumMod val="25000"/>
+                  </a:schemeClr>
+                </a:solidFill>
+                <a:latin typeface="Cascadia Code" panose="020B0609020000020004" pitchFamily="49" charset="0"/>
+                <a:cs typeface="Cascadia Code" panose="020B0609020000020004" pitchFamily="49" charset="0"/>
+              </a:rPr>
+              <a:t> will be the starting point of the algorithm.</a:t>
+            </a:r>
+          </a:p>
+          <a:p>
+            <a:r>
+              <a:rPr lang="en-US" sz="1600" dirty="0">
+                <a:solidFill>
+                  <a:schemeClr val="bg2">
+                    <a:lumMod val="25000"/>
+                  </a:schemeClr>
+                </a:solidFill>
+                <a:latin typeface="Cascadia Code" panose="020B0609020000020004" pitchFamily="49" charset="0"/>
+                <a:cs typeface="Cascadia Code" panose="020B0609020000020004" pitchFamily="49" charset="0"/>
+              </a:rPr>
+              <a:t>2. After selecting seed </a:t>
+            </a:r>
+            <a:r>
+              <a:rPr lang="en-US" sz="1600" dirty="0" err="1">
+                <a:solidFill>
+                  <a:schemeClr val="bg2">
+                    <a:lumMod val="25000"/>
+                  </a:schemeClr>
+                </a:solidFill>
+                <a:latin typeface="Cascadia Code" panose="020B0609020000020004" pitchFamily="49" charset="0"/>
+                <a:cs typeface="Cascadia Code" panose="020B0609020000020004" pitchFamily="49" charset="0"/>
+              </a:rPr>
+              <a:t>superpixels</a:t>
+            </a:r>
+            <a:r>
+              <a:rPr lang="en-US" sz="1600" dirty="0">
+                <a:solidFill>
+                  <a:schemeClr val="bg2">
+                    <a:lumMod val="25000"/>
+                  </a:schemeClr>
+                </a:solidFill>
+                <a:latin typeface="Cascadia Code" panose="020B0609020000020004" pitchFamily="49" charset="0"/>
+                <a:cs typeface="Cascadia Code" panose="020B0609020000020004" pitchFamily="49" charset="0"/>
+              </a:rPr>
+              <a:t>: Create two sets, skin </a:t>
+            </a:r>
+            <a:r>
+              <a:rPr lang="en-US" sz="1600" dirty="0" err="1">
+                <a:solidFill>
+                  <a:schemeClr val="bg2">
+                    <a:lumMod val="25000"/>
+                  </a:schemeClr>
+                </a:solidFill>
+                <a:latin typeface="Cascadia Code" panose="020B0609020000020004" pitchFamily="49" charset="0"/>
+                <a:cs typeface="Cascadia Code" panose="020B0609020000020004" pitchFamily="49" charset="0"/>
+              </a:rPr>
+              <a:t>superpixels</a:t>
+            </a:r>
+            <a:r>
+              <a:rPr lang="en-US" sz="1600" dirty="0">
+                <a:solidFill>
+                  <a:schemeClr val="bg2">
+                    <a:lumMod val="25000"/>
+                  </a:schemeClr>
+                </a:solidFill>
+                <a:latin typeface="Cascadia Code" panose="020B0609020000020004" pitchFamily="49" charset="0"/>
+                <a:cs typeface="Cascadia Code" panose="020B0609020000020004" pitchFamily="49" charset="0"/>
+              </a:rPr>
+              <a:t> </a:t>
+            </a:r>
+            <a:r>
+              <a:rPr lang="en-US" sz="1600" b="1" dirty="0" err="1">
+                <a:solidFill>
+                  <a:schemeClr val="bg2">
+                    <a:lumMod val="25000"/>
+                  </a:schemeClr>
+                </a:solidFill>
+                <a:latin typeface="Cascadia Code" panose="020B0609020000020004" pitchFamily="49" charset="0"/>
+                <a:cs typeface="Cascadia Code" panose="020B0609020000020004" pitchFamily="49" charset="0"/>
+              </a:rPr>
+              <a:t>sp_s</a:t>
+            </a:r>
+            <a:r>
+              <a:rPr lang="en-US" sz="1600" b="1" dirty="0">
+                <a:solidFill>
+                  <a:schemeClr val="bg2">
+                    <a:lumMod val="25000"/>
+                  </a:schemeClr>
+                </a:solidFill>
+                <a:latin typeface="Cascadia Code" panose="020B0609020000020004" pitchFamily="49" charset="0"/>
+                <a:cs typeface="Cascadia Code" panose="020B0609020000020004" pitchFamily="49" charset="0"/>
+              </a:rPr>
+              <a:t> </a:t>
+            </a:r>
+            <a:r>
+              <a:rPr lang="en-US" sz="1600" dirty="0">
+                <a:solidFill>
+                  <a:schemeClr val="bg2">
+                    <a:lumMod val="25000"/>
+                  </a:schemeClr>
+                </a:solidFill>
+                <a:latin typeface="Cascadia Code" panose="020B0609020000020004" pitchFamily="49" charset="0"/>
+                <a:cs typeface="Cascadia Code" panose="020B0609020000020004" pitchFamily="49" charset="0"/>
+              </a:rPr>
+              <a:t>and non-skin </a:t>
+            </a:r>
+            <a:r>
+              <a:rPr lang="en-US" sz="1600" dirty="0" err="1">
+                <a:solidFill>
+                  <a:schemeClr val="bg2">
+                    <a:lumMod val="25000"/>
+                  </a:schemeClr>
+                </a:solidFill>
+                <a:latin typeface="Cascadia Code" panose="020B0609020000020004" pitchFamily="49" charset="0"/>
+                <a:cs typeface="Cascadia Code" panose="020B0609020000020004" pitchFamily="49" charset="0"/>
+              </a:rPr>
+              <a:t>superpixels</a:t>
+            </a:r>
+            <a:r>
+              <a:rPr lang="en-US" sz="1600" b="1" dirty="0">
+                <a:solidFill>
+                  <a:schemeClr val="bg2">
+                    <a:lumMod val="25000"/>
+                  </a:schemeClr>
+                </a:solidFill>
+                <a:latin typeface="Cascadia Code" panose="020B0609020000020004" pitchFamily="49" charset="0"/>
+                <a:cs typeface="Cascadia Code" panose="020B0609020000020004" pitchFamily="49" charset="0"/>
+              </a:rPr>
+              <a:t> </a:t>
+            </a:r>
+            <a:r>
+              <a:rPr lang="en-US" sz="1600" b="1" dirty="0" err="1">
+                <a:solidFill>
+                  <a:schemeClr val="bg2">
+                    <a:lumMod val="25000"/>
+                  </a:schemeClr>
+                </a:solidFill>
+                <a:latin typeface="Cascadia Code" panose="020B0609020000020004" pitchFamily="49" charset="0"/>
+                <a:cs typeface="Cascadia Code" panose="020B0609020000020004" pitchFamily="49" charset="0"/>
+              </a:rPr>
+              <a:t>sp_ns</a:t>
+            </a:r>
+            <a:r>
+              <a:rPr lang="en-US" sz="1600" dirty="0">
+                <a:solidFill>
+                  <a:schemeClr val="bg2">
+                    <a:lumMod val="25000"/>
+                  </a:schemeClr>
+                </a:solidFill>
+                <a:latin typeface="Cascadia Code" panose="020B0609020000020004" pitchFamily="49" charset="0"/>
+                <a:cs typeface="Cascadia Code" panose="020B0609020000020004" pitchFamily="49" charset="0"/>
+              </a:rPr>
+              <a:t>. Initialize </a:t>
+            </a:r>
+            <a:r>
+              <a:rPr lang="en-US" sz="1600" b="1" dirty="0" err="1">
+                <a:solidFill>
+                  <a:schemeClr val="bg2">
+                    <a:lumMod val="25000"/>
+                  </a:schemeClr>
+                </a:solidFill>
+                <a:latin typeface="Cascadia Code" panose="020B0609020000020004" pitchFamily="49" charset="0"/>
+                <a:cs typeface="Cascadia Code" panose="020B0609020000020004" pitchFamily="49" charset="0"/>
+              </a:rPr>
+              <a:t>sp_s</a:t>
+            </a:r>
+            <a:r>
+              <a:rPr lang="en-US" sz="1600" b="1" dirty="0">
+                <a:solidFill>
+                  <a:schemeClr val="bg2">
+                    <a:lumMod val="25000"/>
+                  </a:schemeClr>
+                </a:solidFill>
+                <a:latin typeface="Cascadia Code" panose="020B0609020000020004" pitchFamily="49" charset="0"/>
+                <a:cs typeface="Cascadia Code" panose="020B0609020000020004" pitchFamily="49" charset="0"/>
+              </a:rPr>
+              <a:t> </a:t>
+            </a:r>
+            <a:r>
+              <a:rPr lang="en-US" sz="1600" dirty="0">
+                <a:solidFill>
+                  <a:schemeClr val="bg2">
+                    <a:lumMod val="25000"/>
+                  </a:schemeClr>
+                </a:solidFill>
+                <a:latin typeface="Cascadia Code" panose="020B0609020000020004" pitchFamily="49" charset="0"/>
+                <a:cs typeface="Cascadia Code" panose="020B0609020000020004" pitchFamily="49" charset="0"/>
+              </a:rPr>
+              <a:t>with seed </a:t>
+            </a:r>
+            <a:r>
+              <a:rPr lang="en-US" sz="1600" dirty="0" err="1">
+                <a:solidFill>
+                  <a:schemeClr val="bg2">
+                    <a:lumMod val="25000"/>
+                  </a:schemeClr>
+                </a:solidFill>
+                <a:latin typeface="Cascadia Code" panose="020B0609020000020004" pitchFamily="49" charset="0"/>
+                <a:cs typeface="Cascadia Code" panose="020B0609020000020004" pitchFamily="49" charset="0"/>
+              </a:rPr>
+              <a:t>superpixels</a:t>
+            </a:r>
+            <a:r>
+              <a:rPr lang="en-US" sz="1600" dirty="0">
+                <a:solidFill>
+                  <a:schemeClr val="bg2">
+                    <a:lumMod val="25000"/>
+                  </a:schemeClr>
+                </a:solidFill>
+                <a:latin typeface="Cascadia Code" panose="020B0609020000020004" pitchFamily="49" charset="0"/>
+                <a:cs typeface="Cascadia Code" panose="020B0609020000020004" pitchFamily="49" charset="0"/>
+              </a:rPr>
+              <a:t> and known skin </a:t>
+            </a:r>
+            <a:r>
+              <a:rPr lang="en-US" sz="1600" dirty="0" err="1">
+                <a:solidFill>
+                  <a:schemeClr val="bg2">
+                    <a:lumMod val="25000"/>
+                  </a:schemeClr>
+                </a:solidFill>
+                <a:latin typeface="Cascadia Code" panose="020B0609020000020004" pitchFamily="49" charset="0"/>
+                <a:cs typeface="Cascadia Code" panose="020B0609020000020004" pitchFamily="49" charset="0"/>
+              </a:rPr>
+              <a:t>superpixels</a:t>
+            </a:r>
+            <a:r>
+              <a:rPr lang="en-US" sz="1600" dirty="0">
+                <a:solidFill>
+                  <a:schemeClr val="bg2">
+                    <a:lumMod val="25000"/>
+                  </a:schemeClr>
+                </a:solidFill>
+                <a:latin typeface="Cascadia Code" panose="020B0609020000020004" pitchFamily="49" charset="0"/>
+                <a:cs typeface="Cascadia Code" panose="020B0609020000020004" pitchFamily="49" charset="0"/>
+              </a:rPr>
+              <a:t> (these are extracted from the skin mask).</a:t>
+            </a:r>
+          </a:p>
+          <a:p>
+            <a:r>
+              <a:rPr lang="en-US" sz="1600" dirty="0">
+                <a:solidFill>
+                  <a:schemeClr val="bg2">
+                    <a:lumMod val="25000"/>
+                  </a:schemeClr>
+                </a:solidFill>
+                <a:latin typeface="Cascadia Code" panose="020B0609020000020004" pitchFamily="49" charset="0"/>
+                <a:cs typeface="Cascadia Code" panose="020B0609020000020004" pitchFamily="49" charset="0"/>
+              </a:rPr>
+              <a:t>3. For each </a:t>
+            </a:r>
+            <a:r>
+              <a:rPr lang="en-US" sz="1600" dirty="0" err="1">
+                <a:solidFill>
+                  <a:schemeClr val="bg2">
+                    <a:lumMod val="25000"/>
+                  </a:schemeClr>
+                </a:solidFill>
+                <a:latin typeface="Cascadia Code" panose="020B0609020000020004" pitchFamily="49" charset="0"/>
+                <a:cs typeface="Cascadia Code" panose="020B0609020000020004" pitchFamily="49" charset="0"/>
+              </a:rPr>
+              <a:t>superpixel</a:t>
+            </a:r>
+            <a:r>
+              <a:rPr lang="en-US" sz="1600" dirty="0">
+                <a:solidFill>
+                  <a:schemeClr val="bg2">
+                    <a:lumMod val="25000"/>
+                  </a:schemeClr>
+                </a:solidFill>
+                <a:latin typeface="Cascadia Code" panose="020B0609020000020004" pitchFamily="49" charset="0"/>
+                <a:cs typeface="Cascadia Code" panose="020B0609020000020004" pitchFamily="49" charset="0"/>
+              </a:rPr>
+              <a:t> in </a:t>
+            </a:r>
+            <a:r>
+              <a:rPr lang="en-US" sz="1600" b="1" dirty="0" err="1">
+                <a:solidFill>
+                  <a:schemeClr val="bg2">
+                    <a:lumMod val="25000"/>
+                  </a:schemeClr>
+                </a:solidFill>
+                <a:latin typeface="Cascadia Code" panose="020B0609020000020004" pitchFamily="49" charset="0"/>
+                <a:cs typeface="Cascadia Code" panose="020B0609020000020004" pitchFamily="49" charset="0"/>
+              </a:rPr>
+              <a:t>sp_s</a:t>
+            </a:r>
+            <a:r>
+              <a:rPr lang="en-US" sz="1600" dirty="0">
+                <a:solidFill>
+                  <a:schemeClr val="bg2">
+                    <a:lumMod val="25000"/>
+                  </a:schemeClr>
+                </a:solidFill>
+                <a:latin typeface="Cascadia Code" panose="020B0609020000020004" pitchFamily="49" charset="0"/>
+                <a:cs typeface="Cascadia Code" panose="020B0609020000020004" pitchFamily="49" charset="0"/>
+              </a:rPr>
+              <a:t> we calculate all valid neighbors </a:t>
+            </a:r>
+            <a:r>
+              <a:rPr lang="en-US" sz="1600" b="1" dirty="0" err="1">
+                <a:solidFill>
+                  <a:schemeClr val="bg2">
+                    <a:lumMod val="25000"/>
+                  </a:schemeClr>
+                </a:solidFill>
+                <a:latin typeface="Cascadia Code" panose="020B0609020000020004" pitchFamily="49" charset="0"/>
+                <a:cs typeface="Cascadia Code" panose="020B0609020000020004" pitchFamily="49" charset="0"/>
+              </a:rPr>
+              <a:t>N_sp</a:t>
+            </a:r>
+            <a:r>
+              <a:rPr lang="en-US" sz="1600" dirty="0">
+                <a:solidFill>
+                  <a:schemeClr val="bg2">
+                    <a:lumMod val="25000"/>
+                  </a:schemeClr>
+                </a:solidFill>
+                <a:latin typeface="Cascadia Code" panose="020B0609020000020004" pitchFamily="49" charset="0"/>
+                <a:cs typeface="Cascadia Code" panose="020B0609020000020004" pitchFamily="49" charset="0"/>
+              </a:rPr>
+              <a:t>. A </a:t>
+            </a:r>
+            <a:r>
+              <a:rPr lang="en-US" sz="1600" dirty="0" err="1">
+                <a:solidFill>
+                  <a:schemeClr val="bg2">
+                    <a:lumMod val="25000"/>
+                  </a:schemeClr>
+                </a:solidFill>
+                <a:latin typeface="Cascadia Code" panose="020B0609020000020004" pitchFamily="49" charset="0"/>
+                <a:cs typeface="Cascadia Code" panose="020B0609020000020004" pitchFamily="49" charset="0"/>
+              </a:rPr>
+              <a:t>superpixel</a:t>
+            </a:r>
+            <a:r>
+              <a:rPr lang="en-US" sz="1600" dirty="0">
+                <a:solidFill>
+                  <a:schemeClr val="bg2">
+                    <a:lumMod val="25000"/>
+                  </a:schemeClr>
+                </a:solidFill>
+                <a:latin typeface="Cascadia Code" panose="020B0609020000020004" pitchFamily="49" charset="0"/>
+                <a:cs typeface="Cascadia Code" panose="020B0609020000020004" pitchFamily="49" charset="0"/>
+              </a:rPr>
+              <a:t> is a valid neighbor if it is in neither </a:t>
+            </a:r>
+            <a:r>
+              <a:rPr lang="en-US" sz="1600" b="1" dirty="0" err="1">
+                <a:solidFill>
+                  <a:schemeClr val="bg2">
+                    <a:lumMod val="25000"/>
+                  </a:schemeClr>
+                </a:solidFill>
+                <a:latin typeface="Cascadia Code" panose="020B0609020000020004" pitchFamily="49" charset="0"/>
+                <a:cs typeface="Cascadia Code" panose="020B0609020000020004" pitchFamily="49" charset="0"/>
+              </a:rPr>
+              <a:t>sp_s</a:t>
+            </a:r>
+            <a:r>
+              <a:rPr lang="en-US" sz="1600" b="1" dirty="0">
+                <a:solidFill>
+                  <a:schemeClr val="bg2">
+                    <a:lumMod val="25000"/>
+                  </a:schemeClr>
+                </a:solidFill>
+                <a:latin typeface="Cascadia Code" panose="020B0609020000020004" pitchFamily="49" charset="0"/>
+                <a:cs typeface="Cascadia Code" panose="020B0609020000020004" pitchFamily="49" charset="0"/>
+              </a:rPr>
+              <a:t> </a:t>
+            </a:r>
+            <a:r>
+              <a:rPr lang="en-US" sz="1600" dirty="0">
+                <a:solidFill>
+                  <a:schemeClr val="bg2">
+                    <a:lumMod val="25000"/>
+                  </a:schemeClr>
+                </a:solidFill>
+                <a:latin typeface="Cascadia Code" panose="020B0609020000020004" pitchFamily="49" charset="0"/>
+                <a:cs typeface="Cascadia Code" panose="020B0609020000020004" pitchFamily="49" charset="0"/>
+              </a:rPr>
+              <a:t>or </a:t>
+            </a:r>
+            <a:r>
+              <a:rPr lang="en-US" sz="1600" b="1" dirty="0" err="1">
+                <a:solidFill>
+                  <a:schemeClr val="bg2">
+                    <a:lumMod val="25000"/>
+                  </a:schemeClr>
+                </a:solidFill>
+                <a:latin typeface="Cascadia Code" panose="020B0609020000020004" pitchFamily="49" charset="0"/>
+                <a:cs typeface="Cascadia Code" panose="020B0609020000020004" pitchFamily="49" charset="0"/>
+              </a:rPr>
+              <a:t>sp_ns</a:t>
+            </a:r>
+            <a:r>
+              <a:rPr lang="en-US" sz="1600" b="1" dirty="0">
+                <a:solidFill>
+                  <a:schemeClr val="bg2">
+                    <a:lumMod val="25000"/>
+                  </a:schemeClr>
+                </a:solidFill>
+                <a:latin typeface="Cascadia Code" panose="020B0609020000020004" pitchFamily="49" charset="0"/>
+                <a:cs typeface="Cascadia Code" panose="020B0609020000020004" pitchFamily="49" charset="0"/>
+              </a:rPr>
+              <a:t>.</a:t>
+            </a:r>
+            <a:endParaRPr lang="en-US" sz="1600" dirty="0">
+              <a:solidFill>
+                <a:schemeClr val="bg2">
+                  <a:lumMod val="25000"/>
+                </a:schemeClr>
+              </a:solidFill>
+              <a:latin typeface="Cascadia Code" panose="020B0609020000020004" pitchFamily="49" charset="0"/>
+              <a:cs typeface="Cascadia Code" panose="020B0609020000020004" pitchFamily="49" charset="0"/>
+            </a:endParaRPr>
+          </a:p>
+        </p:txBody>
+      </p:sp>
+    </p:spTree>
+    <p:extLst>
+      <p:ext uri="{BB962C8B-B14F-4D97-AF65-F5344CB8AC3E}">
+        <p14:creationId xmlns:p14="http://schemas.microsoft.com/office/powerpoint/2010/main" val="385021485"/>
+      </p:ext>
+    </p:extLst>
+  </p:cSld>
+  <p:clrMapOvr>
+    <a:masterClrMapping/>
+  </p:clrMapOvr>
+</p:sld>
+</file>
+
+<file path=ppt/slides/slide15.xml><?xml version="1.0" encoding="utf-8"?>
+<p:sld xmlns:a="http://schemas.openxmlformats.org/drawingml/2006/main" xmlns:r="http://schemas.openxmlformats.org/officeDocument/2006/relationships" xmlns:p="http://schemas.openxmlformats.org/presentationml/2006/main">
+  <p:cSld>
+    <p:spTree>
+      <p:nvGrpSpPr>
+        <p:cNvPr id="1" name="">
+          <a:extLst>
+            <a:ext uri="{FF2B5EF4-FFF2-40B4-BE49-F238E27FC236}">
+              <a16:creationId xmlns:a16="http://schemas.microsoft.com/office/drawing/2014/main" id="{3CF49054-8E43-2054-0E5D-DEC763F2A8E9}"/>
+            </a:ext>
+          </a:extLst>
+        </p:cNvPr>
+        <p:cNvGrpSpPr/>
+        <p:nvPr/>
+      </p:nvGrpSpPr>
+      <p:grpSpPr>
+        <a:xfrm>
+          <a:off x="0" y="0"/>
+          <a:ext cx="0" cy="0"/>
+          <a:chOff x="0" y="0"/>
+          <a:chExt cx="0" cy="0"/>
+        </a:xfrm>
+      </p:grpSpPr>
+      <p:sp>
+        <p:nvSpPr>
+          <p:cNvPr id="3" name="Slide Number Placeholder 2">
+            <a:extLst>
+              <a:ext uri="{FF2B5EF4-FFF2-40B4-BE49-F238E27FC236}">
+                <a16:creationId xmlns:a16="http://schemas.microsoft.com/office/drawing/2014/main" id="{8B563C67-C001-611E-4DD3-EE7DB0A65927}"/>
+              </a:ext>
+            </a:extLst>
+          </p:cNvPr>
+          <p:cNvSpPr>
+            <a:spLocks noGrp="1"/>
+          </p:cNvSpPr>
+          <p:nvPr>
+            <p:ph type="sldNum" sz="quarter" idx="12"/>
+          </p:nvPr>
+        </p:nvSpPr>
+        <p:spPr/>
+        <p:txBody>
+          <a:bodyPr/>
+          <a:lstStyle/>
+          <a:p>
+            <a:r>
+              <a:rPr lang="en-US" dirty="0">
+                <a:solidFill>
+                  <a:schemeClr val="bg2">
+                    <a:lumMod val="25000"/>
+                  </a:schemeClr>
+                </a:solidFill>
+                <a:latin typeface="Cascadia Code" panose="020B0609020000020004" pitchFamily="49" charset="0"/>
+                <a:cs typeface="Cascadia Code" panose="020B0609020000020004" pitchFamily="49" charset="0"/>
+              </a:rPr>
+              <a:t>7</a:t>
+            </a:r>
+          </a:p>
+        </p:txBody>
+      </p:sp>
+      <p:sp>
+        <p:nvSpPr>
+          <p:cNvPr id="4" name="Content Placeholder 3">
+            <a:extLst>
+              <a:ext uri="{FF2B5EF4-FFF2-40B4-BE49-F238E27FC236}">
+                <a16:creationId xmlns:a16="http://schemas.microsoft.com/office/drawing/2014/main" id="{902C4748-070F-2B1B-68B9-BF3EE56DB249}"/>
+              </a:ext>
+            </a:extLst>
+          </p:cNvPr>
+          <p:cNvSpPr>
+            <a:spLocks noGrp="1"/>
+          </p:cNvSpPr>
+          <p:nvPr>
+            <p:ph idx="1"/>
+          </p:nvPr>
+        </p:nvSpPr>
+        <p:spPr>
+          <a:xfrm>
+            <a:off x="1311274" y="609600"/>
+            <a:ext cx="10345738" cy="5943600"/>
+          </a:xfrm>
+        </p:spPr>
+        <p:txBody>
+          <a:bodyPr>
+            <a:normAutofit/>
+          </a:bodyPr>
+          <a:lstStyle/>
+          <a:p>
+            <a:pPr>
+              <a:buNone/>
+            </a:pPr>
+            <a:r>
+              <a:rPr lang="en-US" sz="1600" dirty="0">
+                <a:solidFill>
+                  <a:schemeClr val="bg2">
+                    <a:lumMod val="25000"/>
+                  </a:schemeClr>
+                </a:solidFill>
+                <a:latin typeface="Cascadia Code" panose="020B0609020000020004" pitchFamily="49" charset="0"/>
+                <a:cs typeface="Cascadia Code" panose="020B0609020000020004" pitchFamily="49" charset="0"/>
+              </a:rPr>
+              <a:t>4. For each neighboring </a:t>
+            </a:r>
+            <a:r>
+              <a:rPr lang="en-US" sz="1600" dirty="0" err="1">
+                <a:solidFill>
+                  <a:schemeClr val="bg2">
+                    <a:lumMod val="25000"/>
+                  </a:schemeClr>
+                </a:solidFill>
+                <a:latin typeface="Cascadia Code" panose="020B0609020000020004" pitchFamily="49" charset="0"/>
+                <a:cs typeface="Cascadia Code" panose="020B0609020000020004" pitchFamily="49" charset="0"/>
+              </a:rPr>
+              <a:t>superpixel</a:t>
+            </a:r>
+            <a:r>
+              <a:rPr lang="en-US" sz="1600" dirty="0">
+                <a:solidFill>
+                  <a:schemeClr val="bg2">
+                    <a:lumMod val="25000"/>
+                  </a:schemeClr>
+                </a:solidFill>
+                <a:latin typeface="Cascadia Code" panose="020B0609020000020004" pitchFamily="49" charset="0"/>
+                <a:cs typeface="Cascadia Code" panose="020B0609020000020004" pitchFamily="49" charset="0"/>
+              </a:rPr>
+              <a:t> </a:t>
+            </a:r>
+            <a:r>
+              <a:rPr lang="en-US" sz="1600" b="1" dirty="0" err="1">
+                <a:solidFill>
+                  <a:schemeClr val="bg2">
+                    <a:lumMod val="25000"/>
+                  </a:schemeClr>
+                </a:solidFill>
+                <a:latin typeface="Cascadia Code" panose="020B0609020000020004" pitchFamily="49" charset="0"/>
+                <a:cs typeface="Cascadia Code" panose="020B0609020000020004" pitchFamily="49" charset="0"/>
+              </a:rPr>
+              <a:t>sp_i</a:t>
+            </a:r>
+            <a:r>
+              <a:rPr lang="en-US" sz="1600" dirty="0">
+                <a:solidFill>
+                  <a:schemeClr val="bg2">
+                    <a:lumMod val="25000"/>
+                  </a:schemeClr>
+                </a:solidFill>
+                <a:latin typeface="Cascadia Code" panose="020B0609020000020004" pitchFamily="49" charset="0"/>
+                <a:cs typeface="Cascadia Code" panose="020B0609020000020004" pitchFamily="49" charset="0"/>
+              </a:rPr>
+              <a:t>, we calculate </a:t>
+            </a:r>
+            <a:r>
+              <a:rPr lang="en-US" sz="1600" b="1" dirty="0" err="1">
+                <a:solidFill>
+                  <a:schemeClr val="bg2">
+                    <a:lumMod val="25000"/>
+                  </a:schemeClr>
+                </a:solidFill>
+                <a:latin typeface="Cascadia Code" panose="020B0609020000020004" pitchFamily="49" charset="0"/>
+                <a:cs typeface="Cascadia Code" panose="020B0609020000020004" pitchFamily="49" charset="0"/>
+              </a:rPr>
+              <a:t>P_i_new</a:t>
+            </a:r>
+            <a:r>
+              <a:rPr lang="en-US" sz="1600" b="1" dirty="0">
+                <a:solidFill>
+                  <a:schemeClr val="bg2">
+                    <a:lumMod val="25000"/>
+                  </a:schemeClr>
+                </a:solidFill>
+                <a:latin typeface="Cascadia Code" panose="020B0609020000020004" pitchFamily="49" charset="0"/>
+                <a:cs typeface="Cascadia Code" panose="020B0609020000020004" pitchFamily="49" charset="0"/>
+              </a:rPr>
+              <a:t> </a:t>
+            </a:r>
+            <a:r>
+              <a:rPr lang="en-US" sz="1600" dirty="0">
+                <a:solidFill>
+                  <a:schemeClr val="bg2">
+                    <a:lumMod val="25000"/>
+                  </a:schemeClr>
+                </a:solidFill>
+                <a:latin typeface="Cascadia Code" panose="020B0609020000020004" pitchFamily="49" charset="0"/>
+                <a:cs typeface="Cascadia Code" panose="020B0609020000020004" pitchFamily="49" charset="0"/>
+              </a:rPr>
+              <a:t>defined as below:</a:t>
+            </a:r>
+          </a:p>
+          <a:p>
+            <a:pPr>
+              <a:lnSpc>
+                <a:spcPct val="20000"/>
+              </a:lnSpc>
+              <a:buNone/>
+            </a:pPr>
+            <a:r>
+              <a:rPr lang="en-US" sz="1600" dirty="0">
+                <a:solidFill>
+                  <a:schemeClr val="bg2">
+                    <a:lumMod val="25000"/>
+                  </a:schemeClr>
+                </a:solidFill>
+                <a:latin typeface="Cascadia Code" panose="020B0609020000020004" pitchFamily="49" charset="0"/>
+                <a:cs typeface="Cascadia Code" panose="020B0609020000020004" pitchFamily="49" charset="0"/>
+              </a:rPr>
+              <a:t>5. If </a:t>
+            </a:r>
+            <a:r>
+              <a:rPr lang="en-US" sz="1600" b="1" dirty="0" err="1">
+                <a:solidFill>
+                  <a:schemeClr val="bg2">
+                    <a:lumMod val="25000"/>
+                  </a:schemeClr>
+                </a:solidFill>
+                <a:latin typeface="Cascadia Code" panose="020B0609020000020004" pitchFamily="49" charset="0"/>
+                <a:cs typeface="Cascadia Code" panose="020B0609020000020004" pitchFamily="49" charset="0"/>
+              </a:rPr>
+              <a:t>P_i_new</a:t>
+            </a:r>
+            <a:r>
+              <a:rPr lang="en-US" sz="1600" b="1" dirty="0">
+                <a:solidFill>
+                  <a:schemeClr val="bg2">
+                    <a:lumMod val="25000"/>
+                  </a:schemeClr>
+                </a:solidFill>
+                <a:latin typeface="Cascadia Code" panose="020B0609020000020004" pitchFamily="49" charset="0"/>
+                <a:cs typeface="Cascadia Code" panose="020B0609020000020004" pitchFamily="49" charset="0"/>
+              </a:rPr>
+              <a:t> &gt;</a:t>
+            </a:r>
+            <a:r>
+              <a:rPr lang="en-US" sz="1600" dirty="0">
+                <a:solidFill>
+                  <a:schemeClr val="bg2">
+                    <a:lumMod val="25000"/>
+                  </a:schemeClr>
+                </a:solidFill>
+                <a:latin typeface="Cascadia Code" panose="020B0609020000020004" pitchFamily="49" charset="0"/>
+                <a:cs typeface="Cascadia Code" panose="020B0609020000020004" pitchFamily="49" charset="0"/>
+              </a:rPr>
+              <a:t> </a:t>
+            </a:r>
+            <a:r>
+              <a:rPr lang="en-US" sz="1600" b="1" dirty="0">
+                <a:solidFill>
+                  <a:schemeClr val="bg2">
+                    <a:lumMod val="25000"/>
+                  </a:schemeClr>
+                </a:solidFill>
+                <a:latin typeface="Cascadia Code" panose="020B0609020000020004" pitchFamily="49" charset="0"/>
+                <a:cs typeface="Cascadia Code" panose="020B0609020000020004" pitchFamily="49" charset="0"/>
+              </a:rPr>
+              <a:t>T_F:</a:t>
+            </a:r>
+          </a:p>
+          <a:p>
+            <a:pPr>
+              <a:lnSpc>
+                <a:spcPct val="20000"/>
+              </a:lnSpc>
+              <a:buNone/>
+            </a:pPr>
+            <a:r>
+              <a:rPr lang="en-US" sz="1600" b="1" dirty="0">
+                <a:solidFill>
+                  <a:schemeClr val="bg2">
+                    <a:lumMod val="25000"/>
+                  </a:schemeClr>
+                </a:solidFill>
+                <a:latin typeface="Cascadia Code" panose="020B0609020000020004" pitchFamily="49" charset="0"/>
+                <a:cs typeface="Cascadia Code" panose="020B0609020000020004" pitchFamily="49" charset="0"/>
+              </a:rPr>
+              <a:t>	</a:t>
+            </a:r>
+            <a:r>
+              <a:rPr lang="en-US" sz="1600" b="1" dirty="0" err="1">
+                <a:solidFill>
+                  <a:schemeClr val="bg2">
+                    <a:lumMod val="25000"/>
+                  </a:schemeClr>
+                </a:solidFill>
+                <a:latin typeface="Cascadia Code" panose="020B0609020000020004" pitchFamily="49" charset="0"/>
+                <a:cs typeface="Cascadia Code" panose="020B0609020000020004" pitchFamily="49" charset="0"/>
+              </a:rPr>
+              <a:t>sp_s.add</a:t>
+            </a:r>
+            <a:r>
+              <a:rPr lang="en-US" sz="1600" b="1" dirty="0">
+                <a:solidFill>
+                  <a:schemeClr val="bg2">
+                    <a:lumMod val="25000"/>
+                  </a:schemeClr>
+                </a:solidFill>
+                <a:latin typeface="Cascadia Code" panose="020B0609020000020004" pitchFamily="49" charset="0"/>
+                <a:cs typeface="Cascadia Code" panose="020B0609020000020004" pitchFamily="49" charset="0"/>
+              </a:rPr>
+              <a:t>(</a:t>
+            </a:r>
+            <a:r>
+              <a:rPr lang="en-US" sz="1600" b="1" dirty="0" err="1">
+                <a:solidFill>
+                  <a:schemeClr val="bg2">
+                    <a:lumMod val="25000"/>
+                  </a:schemeClr>
+                </a:solidFill>
+                <a:latin typeface="Cascadia Code" panose="020B0609020000020004" pitchFamily="49" charset="0"/>
+                <a:cs typeface="Cascadia Code" panose="020B0609020000020004" pitchFamily="49" charset="0"/>
+              </a:rPr>
+              <a:t>sp_i</a:t>
+            </a:r>
+            <a:r>
+              <a:rPr lang="en-US" sz="1600" b="1" dirty="0">
+                <a:solidFill>
+                  <a:schemeClr val="bg2">
+                    <a:lumMod val="25000"/>
+                  </a:schemeClr>
+                </a:solidFill>
+                <a:latin typeface="Cascadia Code" panose="020B0609020000020004" pitchFamily="49" charset="0"/>
+                <a:cs typeface="Cascadia Code" panose="020B0609020000020004" pitchFamily="49" charset="0"/>
+              </a:rPr>
+              <a:t>)</a:t>
+            </a:r>
+          </a:p>
+          <a:p>
+            <a:pPr>
+              <a:lnSpc>
+                <a:spcPct val="20000"/>
+              </a:lnSpc>
+              <a:buNone/>
+            </a:pPr>
+            <a:r>
+              <a:rPr lang="en-US" sz="1600" b="1" dirty="0">
+                <a:solidFill>
+                  <a:schemeClr val="bg2">
+                    <a:lumMod val="25000"/>
+                  </a:schemeClr>
+                </a:solidFill>
+                <a:latin typeface="Cascadia Code" panose="020B0609020000020004" pitchFamily="49" charset="0"/>
+                <a:cs typeface="Cascadia Code" panose="020B0609020000020004" pitchFamily="49" charset="0"/>
+              </a:rPr>
+              <a:t>   </a:t>
+            </a:r>
+            <a:r>
+              <a:rPr lang="en-US" sz="1600" dirty="0">
+                <a:solidFill>
+                  <a:schemeClr val="bg2">
+                    <a:lumMod val="25000"/>
+                  </a:schemeClr>
+                </a:solidFill>
+                <a:latin typeface="Cascadia Code" panose="020B0609020000020004" pitchFamily="49" charset="0"/>
+                <a:cs typeface="Cascadia Code" panose="020B0609020000020004" pitchFamily="49" charset="0"/>
+              </a:rPr>
+              <a:t>Else:</a:t>
+            </a:r>
+          </a:p>
+          <a:p>
+            <a:pPr>
+              <a:lnSpc>
+                <a:spcPct val="20000"/>
+              </a:lnSpc>
+              <a:buNone/>
+            </a:pPr>
+            <a:r>
+              <a:rPr lang="en-US" sz="1600" b="1" dirty="0">
+                <a:solidFill>
+                  <a:schemeClr val="bg2">
+                    <a:lumMod val="25000"/>
+                  </a:schemeClr>
+                </a:solidFill>
+                <a:latin typeface="Cascadia Code" panose="020B0609020000020004" pitchFamily="49" charset="0"/>
+                <a:cs typeface="Cascadia Code" panose="020B0609020000020004" pitchFamily="49" charset="0"/>
+              </a:rPr>
+              <a:t>	</a:t>
+            </a:r>
+            <a:r>
+              <a:rPr lang="en-US" sz="1600" b="1" dirty="0" err="1">
+                <a:solidFill>
+                  <a:schemeClr val="bg2">
+                    <a:lumMod val="25000"/>
+                  </a:schemeClr>
+                </a:solidFill>
+                <a:latin typeface="Cascadia Code" panose="020B0609020000020004" pitchFamily="49" charset="0"/>
+                <a:cs typeface="Cascadia Code" panose="020B0609020000020004" pitchFamily="49" charset="0"/>
+              </a:rPr>
+              <a:t>sp_ns.add</a:t>
+            </a:r>
+            <a:r>
+              <a:rPr lang="en-US" sz="1600" b="1" dirty="0">
+                <a:solidFill>
+                  <a:schemeClr val="bg2">
+                    <a:lumMod val="25000"/>
+                  </a:schemeClr>
+                </a:solidFill>
+                <a:latin typeface="Cascadia Code" panose="020B0609020000020004" pitchFamily="49" charset="0"/>
+                <a:cs typeface="Cascadia Code" panose="020B0609020000020004" pitchFamily="49" charset="0"/>
+              </a:rPr>
+              <a:t>(</a:t>
+            </a:r>
+            <a:r>
+              <a:rPr lang="en-US" sz="1600" b="1" dirty="0" err="1">
+                <a:solidFill>
+                  <a:schemeClr val="bg2">
+                    <a:lumMod val="25000"/>
+                  </a:schemeClr>
+                </a:solidFill>
+                <a:latin typeface="Cascadia Code" panose="020B0609020000020004" pitchFamily="49" charset="0"/>
+                <a:cs typeface="Cascadia Code" panose="020B0609020000020004" pitchFamily="49" charset="0"/>
+              </a:rPr>
+              <a:t>sp.i</a:t>
+            </a:r>
+            <a:r>
+              <a:rPr lang="en-US" sz="1600" b="1" dirty="0">
+                <a:solidFill>
+                  <a:schemeClr val="bg2">
+                    <a:lumMod val="25000"/>
+                  </a:schemeClr>
+                </a:solidFill>
+                <a:latin typeface="Cascadia Code" panose="020B0609020000020004" pitchFamily="49" charset="0"/>
+                <a:cs typeface="Cascadia Code" panose="020B0609020000020004" pitchFamily="49" charset="0"/>
+              </a:rPr>
+              <a:t>)</a:t>
+            </a:r>
+          </a:p>
+          <a:p>
+            <a:pPr>
+              <a:buNone/>
+            </a:pPr>
+            <a:r>
+              <a:rPr lang="en-US" sz="1600" dirty="0">
+                <a:solidFill>
+                  <a:schemeClr val="bg2">
+                    <a:lumMod val="25000"/>
+                  </a:schemeClr>
+                </a:solidFill>
+                <a:latin typeface="Cascadia Code" panose="020B0609020000020004" pitchFamily="49" charset="0"/>
+                <a:cs typeface="Cascadia Code" panose="020B0609020000020004" pitchFamily="49" charset="0"/>
+              </a:rPr>
+              <a:t>6. Repeat steps</a:t>
+            </a:r>
+            <a:r>
+              <a:rPr lang="en-US" sz="1600" b="1" dirty="0">
+                <a:solidFill>
+                  <a:schemeClr val="bg2">
+                    <a:lumMod val="25000"/>
+                  </a:schemeClr>
+                </a:solidFill>
+                <a:latin typeface="Cascadia Code" panose="020B0609020000020004" pitchFamily="49" charset="0"/>
+                <a:cs typeface="Cascadia Code" panose="020B0609020000020004" pitchFamily="49" charset="0"/>
+              </a:rPr>
+              <a:t> 3-5</a:t>
+            </a:r>
+            <a:r>
+              <a:rPr lang="en-US" sz="1600" dirty="0">
+                <a:solidFill>
+                  <a:schemeClr val="bg2">
+                    <a:lumMod val="25000"/>
+                  </a:schemeClr>
+                </a:solidFill>
+                <a:latin typeface="Cascadia Code" panose="020B0609020000020004" pitchFamily="49" charset="0"/>
+                <a:cs typeface="Cascadia Code" panose="020B0609020000020004" pitchFamily="49" charset="0"/>
+              </a:rPr>
+              <a:t> for </a:t>
+            </a:r>
+            <a:r>
+              <a:rPr lang="en-US" sz="1600" b="1" dirty="0">
+                <a:solidFill>
+                  <a:schemeClr val="bg2">
+                    <a:lumMod val="25000"/>
+                  </a:schemeClr>
+                </a:solidFill>
+                <a:latin typeface="Cascadia Code" panose="020B0609020000020004" pitchFamily="49" charset="0"/>
+                <a:cs typeface="Cascadia Code" panose="020B0609020000020004" pitchFamily="49" charset="0"/>
+              </a:rPr>
+              <a:t>n</a:t>
+            </a:r>
+            <a:r>
+              <a:rPr lang="en-US" sz="1600" dirty="0">
+                <a:solidFill>
+                  <a:schemeClr val="bg2">
+                    <a:lumMod val="25000"/>
+                  </a:schemeClr>
+                </a:solidFill>
+                <a:latin typeface="Cascadia Code" panose="020B0609020000020004" pitchFamily="49" charset="0"/>
+                <a:cs typeface="Cascadia Code" panose="020B0609020000020004" pitchFamily="49" charset="0"/>
+              </a:rPr>
+              <a:t> iterations as desired.</a:t>
+            </a:r>
+            <a:endParaRPr lang="en-US" sz="1600" b="1" dirty="0">
+              <a:solidFill>
+                <a:schemeClr val="bg2">
+                  <a:lumMod val="25000"/>
+                </a:schemeClr>
+              </a:solidFill>
+              <a:latin typeface="Cascadia Code" panose="020B0609020000020004" pitchFamily="49" charset="0"/>
+              <a:cs typeface="Cascadia Code" panose="020B0609020000020004" pitchFamily="49" charset="0"/>
+            </a:endParaRPr>
+          </a:p>
+        </p:txBody>
+      </p:sp>
+      <p:pic>
+        <p:nvPicPr>
+          <p:cNvPr id="7" name="Picture 6">
+            <a:extLst>
+              <a:ext uri="{FF2B5EF4-FFF2-40B4-BE49-F238E27FC236}">
+                <a16:creationId xmlns:a16="http://schemas.microsoft.com/office/drawing/2014/main" id="{1B782E07-7306-1DEC-0621-0C982AF30BB5}"/>
+              </a:ext>
+            </a:extLst>
+          </p:cNvPr>
+          <p:cNvPicPr>
+            <a:picLocks noChangeAspect="1"/>
+          </p:cNvPicPr>
+          <p:nvPr/>
+        </p:nvPicPr>
+        <p:blipFill>
+          <a:blip r:embed="rId2"/>
+          <a:stretch>
+            <a:fillRect/>
+          </a:stretch>
+        </p:blipFill>
+        <p:spPr>
+          <a:xfrm>
+            <a:off x="1311274" y="2590800"/>
+            <a:ext cx="5349570" cy="2514600"/>
+          </a:xfrm>
+          <a:prstGeom prst="rect">
+            <a:avLst/>
+          </a:prstGeom>
+        </p:spPr>
+      </p:pic>
+      <p:pic>
+        <p:nvPicPr>
+          <p:cNvPr id="9" name="Picture 8">
+            <a:extLst>
+              <a:ext uri="{FF2B5EF4-FFF2-40B4-BE49-F238E27FC236}">
+                <a16:creationId xmlns:a16="http://schemas.microsoft.com/office/drawing/2014/main" id="{B42A3974-5EB2-D0F7-5A9C-4E0C45228A30}"/>
+              </a:ext>
+            </a:extLst>
+          </p:cNvPr>
+          <p:cNvPicPr>
+            <a:picLocks noChangeAspect="1"/>
+          </p:cNvPicPr>
+          <p:nvPr/>
+        </p:nvPicPr>
+        <p:blipFill>
+          <a:blip r:embed="rId3"/>
+          <a:stretch>
+            <a:fillRect/>
+          </a:stretch>
+        </p:blipFill>
+        <p:spPr>
+          <a:xfrm>
+            <a:off x="2095777" y="5310941"/>
+            <a:ext cx="3780564" cy="1036717"/>
+          </a:xfrm>
+          <a:prstGeom prst="rect">
+            <a:avLst/>
+          </a:prstGeom>
+        </p:spPr>
+      </p:pic>
+    </p:spTree>
+    <p:extLst>
+      <p:ext uri="{BB962C8B-B14F-4D97-AF65-F5344CB8AC3E}">
+        <p14:creationId xmlns:p14="http://schemas.microsoft.com/office/powerpoint/2010/main" val="4099957508"/>
+      </p:ext>
+    </p:extLst>
+  </p:cSld>
+  <p:clrMapOvr>
+    <a:masterClrMapping/>
+  </p:clrMapOvr>
+</p:sld>
+</file>
+
+<file path=ppt/slides/slide16.xml><?xml version="1.0" encoding="utf-8"?>
+<p:sld xmlns:a="http://schemas.openxmlformats.org/drawingml/2006/main" xmlns:r="http://schemas.openxmlformats.org/officeDocument/2006/relationships" xmlns:p="http://schemas.openxmlformats.org/presentationml/2006/main">
+  <p:cSld>
+    <p:spTree>
+      <p:nvGrpSpPr>
+        <p:cNvPr id="1" name="">
+          <a:extLst>
+            <a:ext uri="{FF2B5EF4-FFF2-40B4-BE49-F238E27FC236}">
+              <a16:creationId xmlns:a16="http://schemas.microsoft.com/office/drawing/2014/main" id="{0B270692-A41A-9F1C-DAEA-DF1CE56CC2DC}"/>
+            </a:ext>
+          </a:extLst>
+        </p:cNvPr>
+        <p:cNvGrpSpPr/>
+        <p:nvPr/>
+      </p:nvGrpSpPr>
+      <p:grpSpPr>
+        <a:xfrm>
+          <a:off x="0" y="0"/>
+          <a:ext cx="0" cy="0"/>
+          <a:chOff x="0" y="0"/>
+          <a:chExt cx="0" cy="0"/>
+        </a:xfrm>
+      </p:grpSpPr>
+      <p:pic>
+        <p:nvPicPr>
+          <p:cNvPr id="3" name="Picture 2">
+            <a:extLst>
+              <a:ext uri="{FF2B5EF4-FFF2-40B4-BE49-F238E27FC236}">
+                <a16:creationId xmlns:a16="http://schemas.microsoft.com/office/drawing/2014/main" id="{E29BC948-B24A-8A8E-9FB1-205A966EF3F4}"/>
+              </a:ext>
+            </a:extLst>
+          </p:cNvPr>
+          <p:cNvPicPr>
+            <a:picLocks noChangeAspect="1"/>
+          </p:cNvPicPr>
+          <p:nvPr/>
+        </p:nvPicPr>
+        <p:blipFill>
+          <a:blip r:embed="rId2"/>
+          <a:stretch>
+            <a:fillRect/>
+          </a:stretch>
+        </p:blipFill>
+        <p:spPr>
+          <a:xfrm>
+            <a:off x="3474671" y="866417"/>
+            <a:ext cx="5239481" cy="5125165"/>
+          </a:xfrm>
+          <a:prstGeom prst="rect">
+            <a:avLst/>
+          </a:prstGeom>
+          <a:ln w="38100">
+            <a:solidFill>
+              <a:schemeClr val="accent1"/>
+            </a:solidFill>
+          </a:ln>
+        </p:spPr>
+      </p:pic>
+    </p:spTree>
+    <p:extLst>
+      <p:ext uri="{BB962C8B-B14F-4D97-AF65-F5344CB8AC3E}">
+        <p14:creationId xmlns:p14="http://schemas.microsoft.com/office/powerpoint/2010/main" val="880601466"/>
+      </p:ext>
+    </p:extLst>
+  </p:cSld>
+  <p:clrMapOvr>
+    <a:masterClrMapping/>
+  </p:clrMapOvr>
+</p:sld>
+</file>
+
+<file path=ppt/slides/slide17.xml><?xml version="1.0" encoding="utf-8"?>
 <p:sld xmlns:a="http://schemas.openxmlformats.org/drawingml/2006/main" xmlns:r="http://schemas.openxmlformats.org/officeDocument/2006/relationships" xmlns:p="http://schemas.openxmlformats.org/presentationml/2006/main">
   <p:cSld>
     <p:spTree>
@@ -16552,7 +17994,7 @@
 </p:sld>
 </file>
 
-<file path=ppt/slides/slide15.xml><?xml version="1.0" encoding="utf-8"?>
+<file path=ppt/slides/slide18.xml><?xml version="1.0" encoding="utf-8"?>
 <p:sld xmlns:a="http://schemas.openxmlformats.org/drawingml/2006/main" xmlns:r="http://schemas.openxmlformats.org/officeDocument/2006/relationships" xmlns:p="http://schemas.openxmlformats.org/presentationml/2006/main">
   <p:cSld>
     <p:spTree>
@@ -16629,7 +18071,7 @@
 </p:sld>
 </file>
 
-<file path=ppt/slides/slide16.xml><?xml version="1.0" encoding="utf-8"?>
+<file path=ppt/slides/slide19.xml><?xml version="1.0" encoding="utf-8"?>
 <p:sld xmlns:a="http://schemas.openxmlformats.org/drawingml/2006/main" xmlns:r="http://schemas.openxmlformats.org/officeDocument/2006/relationships" xmlns:p="http://schemas.openxmlformats.org/presentationml/2006/main">
   <p:cSld>
     <p:spTree>
@@ -16883,7 +18325,136 @@
 </p:sld>
 </file>
 
-<file path=ppt/slides/slide17.xml><?xml version="1.0" encoding="utf-8"?>
+<file path=ppt/slides/slide2.xml><?xml version="1.0" encoding="utf-8"?>
+<p:sld xmlns:a="http://schemas.openxmlformats.org/drawingml/2006/main" xmlns:r="http://schemas.openxmlformats.org/officeDocument/2006/relationships" xmlns:p="http://schemas.openxmlformats.org/presentationml/2006/main">
+  <p:cSld>
+    <p:bg>
+      <p:bgPr>
+        <a:solidFill>
+          <a:schemeClr val="bg1"/>
+        </a:solidFill>
+        <a:effectLst/>
+      </p:bgPr>
+    </p:bg>
+    <p:spTree>
+      <p:nvGrpSpPr>
+        <p:cNvPr id="1" name=""/>
+        <p:cNvGrpSpPr/>
+        <p:nvPr/>
+      </p:nvGrpSpPr>
+      <p:grpSpPr>
+        <a:xfrm>
+          <a:off x="0" y="0"/>
+          <a:ext cx="0" cy="0"/>
+          <a:chOff x="0" y="0"/>
+          <a:chExt cx="0" cy="0"/>
+        </a:xfrm>
+      </p:grpSpPr>
+      <p:sp>
+        <p:nvSpPr>
+          <p:cNvPr id="6" name="Title 5">
+            <a:extLst>
+              <a:ext uri="{FF2B5EF4-FFF2-40B4-BE49-F238E27FC236}">
+                <a16:creationId xmlns:a16="http://schemas.microsoft.com/office/drawing/2014/main" id="{D8B68A17-565E-5F07-D76E-981C2E327304}"/>
+              </a:ext>
+            </a:extLst>
+          </p:cNvPr>
+          <p:cNvSpPr>
+            <a:spLocks noGrp="1"/>
+          </p:cNvSpPr>
+          <p:nvPr>
+            <p:ph type="title"/>
+          </p:nvPr>
+        </p:nvSpPr>
+        <p:spPr>
+          <a:xfrm>
+            <a:off x="989012" y="723900"/>
+            <a:ext cx="4114800" cy="5295900"/>
+          </a:xfrm>
+        </p:spPr>
+        <p:txBody>
+          <a:bodyPr>
+            <a:normAutofit/>
+          </a:bodyPr>
+          <a:lstStyle/>
+          <a:p>
+            <a:r>
+              <a:rPr lang="en-US" sz="3200" dirty="0">
+                <a:solidFill>
+                  <a:schemeClr val="bg2">
+                    <a:lumMod val="25000"/>
+                  </a:schemeClr>
+                </a:solidFill>
+                <a:latin typeface="Cascadia Code SemiBold" panose="020B0609020000020004" pitchFamily="49" charset="0"/>
+                <a:cs typeface="Cascadia Code SemiBold" panose="020B0609020000020004" pitchFamily="49" charset="0"/>
+              </a:rPr>
+              <a:t>Project Abstract</a:t>
+            </a:r>
+          </a:p>
+        </p:txBody>
+      </p:sp>
+      <p:sp>
+        <p:nvSpPr>
+          <p:cNvPr id="3" name="Content Placeholder 2">
+            <a:extLst>
+              <a:ext uri="{FF2B5EF4-FFF2-40B4-BE49-F238E27FC236}">
+                <a16:creationId xmlns:a16="http://schemas.microsoft.com/office/drawing/2014/main" id="{22788C46-D0BC-4307-AE55-7601A139E7CB}"/>
+              </a:ext>
+            </a:extLst>
+          </p:cNvPr>
+          <p:cNvSpPr>
+            <a:spLocks noGrp="1"/>
+          </p:cNvSpPr>
+          <p:nvPr>
+            <p:ph idx="1"/>
+          </p:nvPr>
+        </p:nvSpPr>
+        <p:spPr>
+          <a:xfrm>
+            <a:off x="7008812" y="1314450"/>
+            <a:ext cx="4114800" cy="4114800"/>
+          </a:xfrm>
+        </p:spPr>
+        <p:txBody>
+          <a:bodyPr vert="horz" lIns="91416" tIns="45708" rIns="91416" bIns="45708" rtlCol="0" anchor="ctr">
+            <a:noAutofit/>
+          </a:bodyPr>
+          <a:lstStyle/>
+          <a:p>
+            <a:pPr>
+              <a:lnSpc>
+                <a:spcPct val="150000"/>
+              </a:lnSpc>
+            </a:pPr>
+            <a:r>
+              <a:rPr lang="en-US" sz="1800" dirty="0">
+                <a:solidFill>
+                  <a:schemeClr val="bg2">
+                    <a:lumMod val="25000"/>
+                  </a:schemeClr>
+                </a:solidFill>
+                <a:latin typeface="Cascadia Code" panose="020B0609020000020004" pitchFamily="49" charset="0"/>
+                <a:cs typeface="Cascadia Code" panose="020B0609020000020004" pitchFamily="49" charset="0"/>
+              </a:rPr>
+              <a:t>This project reimplements the 2017 "Universal Skin Detection Without Color" method to detect skin in grayscale images. It uses face detection, local texture features (LBP, lacunarity), and grayscale statistics to adaptively segment skin. Hyperparameters were tuned for better segmentation performance.</a:t>
+            </a:r>
+          </a:p>
+        </p:txBody>
+      </p:sp>
+    </p:spTree>
+    <p:extLst>
+      <p:ext uri="{BB962C8B-B14F-4D97-AF65-F5344CB8AC3E}">
+        <p14:creationId xmlns:p14="http://schemas.microsoft.com/office/powerpoint/2010/main" val="1325608595"/>
+      </p:ext>
+    </p:extLst>
+  </p:cSld>
+  <p:clrMapOvr>
+    <a:masterClrMapping/>
+  </p:clrMapOvr>
+</p:sld>
+</file>
+
+<file path=ppt/slides/slide20.xml><?xml version="1.0" encoding="utf-8"?>
 <p:sld xmlns:a="http://schemas.openxmlformats.org/drawingml/2006/main" xmlns:r="http://schemas.openxmlformats.org/officeDocument/2006/relationships" xmlns:p="http://schemas.openxmlformats.org/presentationml/2006/main">
   <p:cSld>
     <p:spTree>
@@ -17095,7 +18666,7 @@
 </p:sld>
 </file>
 
-<file path=ppt/slides/slide18.xml><?xml version="1.0" encoding="utf-8"?>
+<file path=ppt/slides/slide21.xml><?xml version="1.0" encoding="utf-8"?>
 <p:sld xmlns:a="http://schemas.openxmlformats.org/drawingml/2006/main" xmlns:r="http://schemas.openxmlformats.org/officeDocument/2006/relationships" xmlns:p="http://schemas.openxmlformats.org/presentationml/2006/main">
   <p:cSld>
     <p:spTree>
@@ -17172,7 +18743,7 @@
 </p:sld>
 </file>
 
-<file path=ppt/slides/slide19.xml><?xml version="1.0" encoding="utf-8"?>
+<file path=ppt/slides/slide22.xml><?xml version="1.0" encoding="utf-8"?>
 <p:sld xmlns:a="http://schemas.openxmlformats.org/drawingml/2006/main" xmlns:r="http://schemas.openxmlformats.org/officeDocument/2006/relationships" xmlns:p="http://schemas.openxmlformats.org/presentationml/2006/main">
   <p:cSld>
     <p:spTree>
@@ -17248,136 +18819,7 @@
 </p:sld>
 </file>
 
-<file path=ppt/slides/slide2.xml><?xml version="1.0" encoding="utf-8"?>
-<p:sld xmlns:a="http://schemas.openxmlformats.org/drawingml/2006/main" xmlns:r="http://schemas.openxmlformats.org/officeDocument/2006/relationships" xmlns:p="http://schemas.openxmlformats.org/presentationml/2006/main">
-  <p:cSld>
-    <p:bg>
-      <p:bgPr>
-        <a:solidFill>
-          <a:schemeClr val="bg1"/>
-        </a:solidFill>
-        <a:effectLst/>
-      </p:bgPr>
-    </p:bg>
-    <p:spTree>
-      <p:nvGrpSpPr>
-        <p:cNvPr id="1" name=""/>
-        <p:cNvGrpSpPr/>
-        <p:nvPr/>
-      </p:nvGrpSpPr>
-      <p:grpSpPr>
-        <a:xfrm>
-          <a:off x="0" y="0"/>
-          <a:ext cx="0" cy="0"/>
-          <a:chOff x="0" y="0"/>
-          <a:chExt cx="0" cy="0"/>
-        </a:xfrm>
-      </p:grpSpPr>
-      <p:sp>
-        <p:nvSpPr>
-          <p:cNvPr id="6" name="Title 5">
-            <a:extLst>
-              <a:ext uri="{FF2B5EF4-FFF2-40B4-BE49-F238E27FC236}">
-                <a16:creationId xmlns:a16="http://schemas.microsoft.com/office/drawing/2014/main" id="{D8B68A17-565E-5F07-D76E-981C2E327304}"/>
-              </a:ext>
-            </a:extLst>
-          </p:cNvPr>
-          <p:cNvSpPr>
-            <a:spLocks noGrp="1"/>
-          </p:cNvSpPr>
-          <p:nvPr>
-            <p:ph type="title"/>
-          </p:nvPr>
-        </p:nvSpPr>
-        <p:spPr>
-          <a:xfrm>
-            <a:off x="989012" y="723900"/>
-            <a:ext cx="4114800" cy="5295900"/>
-          </a:xfrm>
-        </p:spPr>
-        <p:txBody>
-          <a:bodyPr>
-            <a:normAutofit/>
-          </a:bodyPr>
-          <a:lstStyle/>
-          <a:p>
-            <a:r>
-              <a:rPr lang="en-US" sz="3200" dirty="0">
-                <a:solidFill>
-                  <a:schemeClr val="bg2">
-                    <a:lumMod val="25000"/>
-                  </a:schemeClr>
-                </a:solidFill>
-                <a:latin typeface="Cascadia Code SemiBold" panose="020B0609020000020004" pitchFamily="49" charset="0"/>
-                <a:cs typeface="Cascadia Code SemiBold" panose="020B0609020000020004" pitchFamily="49" charset="0"/>
-              </a:rPr>
-              <a:t>Project Abstract</a:t>
-            </a:r>
-          </a:p>
-        </p:txBody>
-      </p:sp>
-      <p:sp>
-        <p:nvSpPr>
-          <p:cNvPr id="3" name="Content Placeholder 2">
-            <a:extLst>
-              <a:ext uri="{FF2B5EF4-FFF2-40B4-BE49-F238E27FC236}">
-                <a16:creationId xmlns:a16="http://schemas.microsoft.com/office/drawing/2014/main" id="{22788C46-D0BC-4307-AE55-7601A139E7CB}"/>
-              </a:ext>
-            </a:extLst>
-          </p:cNvPr>
-          <p:cNvSpPr>
-            <a:spLocks noGrp="1"/>
-          </p:cNvSpPr>
-          <p:nvPr>
-            <p:ph idx="1"/>
-          </p:nvPr>
-        </p:nvSpPr>
-        <p:spPr>
-          <a:xfrm>
-            <a:off x="7008812" y="1314450"/>
-            <a:ext cx="4114800" cy="4114800"/>
-          </a:xfrm>
-        </p:spPr>
-        <p:txBody>
-          <a:bodyPr vert="horz" lIns="91416" tIns="45708" rIns="91416" bIns="45708" rtlCol="0" anchor="ctr">
-            <a:noAutofit/>
-          </a:bodyPr>
-          <a:lstStyle/>
-          <a:p>
-            <a:pPr>
-              <a:lnSpc>
-                <a:spcPct val="150000"/>
-              </a:lnSpc>
-            </a:pPr>
-            <a:r>
-              <a:rPr lang="en-US" sz="1800" dirty="0">
-                <a:solidFill>
-                  <a:schemeClr val="bg2">
-                    <a:lumMod val="25000"/>
-                  </a:schemeClr>
-                </a:solidFill>
-                <a:latin typeface="Cascadia Code" panose="020B0609020000020004" pitchFamily="49" charset="0"/>
-                <a:cs typeface="Cascadia Code" panose="020B0609020000020004" pitchFamily="49" charset="0"/>
-              </a:rPr>
-              <a:t>This project reimplements the 2017 "Universal Skin Detection Without Color" method to detect skin in grayscale images. It uses face detection, local texture features (LBP, lacunarity), and grayscale statistics to adaptively segment skin. Hyperparameters were tuned for better segmentation performance.</a:t>
-            </a:r>
-          </a:p>
-        </p:txBody>
-      </p:sp>
-    </p:spTree>
-    <p:extLst>
-      <p:ext uri="{BB962C8B-B14F-4D97-AF65-F5344CB8AC3E}">
-        <p14:creationId xmlns:p14="http://schemas.microsoft.com/office/powerpoint/2010/main" val="1325608595"/>
-      </p:ext>
-    </p:extLst>
-  </p:cSld>
-  <p:clrMapOvr>
-    <a:masterClrMapping/>
-  </p:clrMapOvr>
-</p:sld>
-</file>
-
-<file path=ppt/slides/slide20.xml><?xml version="1.0" encoding="utf-8"?>
+<file path=ppt/slides/slide23.xml><?xml version="1.0" encoding="utf-8"?>
 <p:sld xmlns:a="http://schemas.openxmlformats.org/drawingml/2006/main" xmlns:r="http://schemas.openxmlformats.org/officeDocument/2006/relationships" xmlns:p="http://schemas.openxmlformats.org/presentationml/2006/main">
   <p:cSld>
     <p:spTree>
@@ -17453,7 +18895,7 @@
 </p:sld>
 </file>
 
-<file path=ppt/slides/slide21.xml><?xml version="1.0" encoding="utf-8"?>
+<file path=ppt/slides/slide24.xml><?xml version="1.0" encoding="utf-8"?>
 <p:sld xmlns:a="http://schemas.openxmlformats.org/drawingml/2006/main" xmlns:r="http://schemas.openxmlformats.org/officeDocument/2006/relationships" xmlns:p="http://schemas.openxmlformats.org/presentationml/2006/main">
   <p:cSld>
     <p:spTree>
@@ -20993,6 +22435,15 @@
 </file>
 
 <file path=customXml/item1.xml><?xml version="1.0" encoding="utf-8"?>
+<?mso-contentType ?>
+<FormTemplates xmlns="http://schemas.microsoft.com/sharepoint/v3/contenttype/forms">
+  <Display>DocumentLibraryForm</Display>
+  <Edit>DocumentLibraryForm</Edit>
+  <New>DocumentLibraryForm</New>
+</FormTemplates>
+</file>
+
+<file path=customXml/item2.xml><?xml version="1.0" encoding="utf-8"?>
 <ct:contentTypeSchema xmlns:ct="http://schemas.microsoft.com/office/2006/metadata/contentType" xmlns:ma="http://schemas.microsoft.com/office/2006/metadata/properties/metaAttributes" ct:_="" ma:_="" ma:contentTypeName="Document" ma:contentTypeID="0x01010079F111ED35F8CC479449609E8A0923A6" ma:contentTypeVersion="28" ma:contentTypeDescription="Create a new document." ma:contentTypeScope="" ma:versionID="60f5a4f2d2b0abadcf532d48ebf9cb71">
   <xsd:schema xmlns:xsd="http://www.w3.org/2001/XMLSchema" xmlns:xs="http://www.w3.org/2001/XMLSchema" xmlns:p="http://schemas.microsoft.com/office/2006/metadata/properties" xmlns:ns1="http://schemas.microsoft.com/sharepoint/v3" xmlns:ns2="71af3243-3dd4-4a8d-8c0d-dd76da1f02a5" xmlns:ns3="16c05727-aa75-4e4a-9b5f-8a80a1165891" xmlns:ns4="230e9df3-be65-4c73-a93b-d1236ebd677e" targetNamespace="http://schemas.microsoft.com/office/2006/metadata/properties" ma:root="true" ma:fieldsID="7dd78129e6a1811f84807ad11c651531" ns1:_="" ns2:_="" ns3:_="" ns4:_="">
     <xsd:import namespace="http://schemas.microsoft.com/sharepoint/v3"/>
@@ -21304,15 +22755,6 @@
 </ct:contentTypeSchema>
 </file>
 
-<file path=customXml/item2.xml><?xml version="1.0" encoding="utf-8"?>
-<?mso-contentType ?>
-<FormTemplates xmlns="http://schemas.microsoft.com/sharepoint/v3/contenttype/forms">
-  <Display>DocumentLibraryForm</Display>
-  <Edit>DocumentLibraryForm</Edit>
-  <New>DocumentLibraryForm</New>
-</FormTemplates>
-</file>
-
 <file path=customXml/item3.xml><?xml version="1.0" encoding="utf-8"?>
 <p:properties xmlns:p="http://schemas.microsoft.com/office/2006/metadata/properties" xmlns:xsi="http://www.w3.org/2001/XMLSchema-instance" xmlns:pc="http://schemas.microsoft.com/office/infopath/2007/PartnerControls">
   <documentManagement>
@@ -21334,6 +22776,14 @@
 </file>
 
 <file path=customXml/itemProps1.xml><?xml version="1.0" encoding="utf-8"?>
+<ds:datastoreItem xmlns:ds="http://schemas.openxmlformats.org/officeDocument/2006/customXml" ds:itemID="{4C37B52A-9EC8-4B7A-85C4-31F7EAFE403D}">
+  <ds:schemaRefs>
+    <ds:schemaRef ds:uri="http://schemas.microsoft.com/sharepoint/v3/contenttype/forms"/>
+  </ds:schemaRefs>
+</ds:datastoreItem>
+</file>
+
+<file path=customXml/itemProps2.xml><?xml version="1.0" encoding="utf-8"?>
 <ds:datastoreItem xmlns:ds="http://schemas.openxmlformats.org/officeDocument/2006/customXml" ds:itemID="{20C06458-EC9A-428C-9123-A760B9587A60}">
   <ds:schemaRefs>
     <ds:schemaRef ds:uri="http://schemas.microsoft.com/office/2006/metadata/contentType"/>
@@ -21350,14 +22800,6 @@
     <ds:schemaRef ds:uri="http://purl.org/dc/elements/1.1/"/>
     <ds:schemaRef ds:uri="http://purl.org/dc/terms/"/>
     <ds:schemaRef ds:uri="http://schemas.microsoft.com/internal/obd"/>
-  </ds:schemaRefs>
-</ds:datastoreItem>
-</file>
-
-<file path=customXml/itemProps2.xml><?xml version="1.0" encoding="utf-8"?>
-<ds:datastoreItem xmlns:ds="http://schemas.openxmlformats.org/officeDocument/2006/customXml" ds:itemID="{4C37B52A-9EC8-4B7A-85C4-31F7EAFE403D}">
-  <ds:schemaRefs>
-    <ds:schemaRef ds:uri="http://schemas.microsoft.com/sharepoint/v3/contenttype/forms"/>
   </ds:schemaRefs>
 </ds:datastoreItem>
 </file>
